--- a/restricted/slides5f.pptx
+++ b/restricted/slides5f.pptx
@@ -1,6 +1,6 @@
 
 <file path=ppt/presentation.xml><?xml version="1.0" encoding="utf-8"?>
-<p:presentation xmlns:a="http://schemas.openxmlformats.org/drawingml/2006/main" xmlns:r="http://schemas.openxmlformats.org/officeDocument/2006/relationships" xmlns:mc="http://schemas.openxmlformats.org/markup-compatibility/2006" xmlns:mv="urn:schemas-microsoft-com:mac:vml" xmlns:p="http://schemas.openxmlformats.org/presentationml/2006/main" mc:Ignorable="mv" mc:PreserveAttributes="mv:*" strictFirstAndLastChars="0" saveSubsetFonts="1" autoCompressPictures="0">
+<p:presentation xmlns:a="http://schemas.openxmlformats.org/drawingml/2006/main" xmlns:r="http://schemas.openxmlformats.org/officeDocument/2006/relationships" xmlns:p="http://schemas.openxmlformats.org/presentationml/2006/main" strictFirstAndLastChars="0" saveSubsetFonts="1" autoCompressPictures="0">
   <p:sldMasterIdLst>
     <p:sldMasterId id="2147483648" r:id="rId1"/>
   </p:sldMasterIdLst>
@@ -176,7 +176,7 @@
 </file>
 
 <file path=ppt/handoutMasters/handoutMaster1.xml><?xml version="1.0" encoding="utf-8"?>
-<p:handoutMaster xmlns:a="http://schemas.openxmlformats.org/drawingml/2006/main" xmlns:r="http://schemas.openxmlformats.org/officeDocument/2006/relationships" xmlns:mc="http://schemas.openxmlformats.org/markup-compatibility/2006" xmlns:mv="urn:schemas-microsoft-com:mac:vml" xmlns:p="http://schemas.openxmlformats.org/presentationml/2006/main" mc:Ignorable="mv" mc:PreserveAttributes="mv:*">
+<p:handoutMaster xmlns:a="http://schemas.openxmlformats.org/drawingml/2006/main" xmlns:r="http://schemas.openxmlformats.org/officeDocument/2006/relationships" xmlns:p="http://schemas.openxmlformats.org/presentationml/2006/main">
   <p:cSld>
     <p:bg>
       <p:bgRef idx="1001">
@@ -276,7 +276,7 @@
               <a:pPr>
                 <a:defRPr/>
               </a:pPr>
-              <a:t>2/27/10</a:t>
+              <a:t>2/28/2010</a:t>
             </a:fld>
             <a:endParaRPr lang="en-US"/>
           </a:p>
@@ -374,7 +374,7 @@
 </file>
 
 <file path=ppt/notesMasters/notesMaster1.xml><?xml version="1.0" encoding="utf-8"?>
-<p:notesMaster xmlns:a="http://schemas.openxmlformats.org/drawingml/2006/main" xmlns:r="http://schemas.openxmlformats.org/officeDocument/2006/relationships" xmlns:mc="http://schemas.openxmlformats.org/markup-compatibility/2006" xmlns:mv="urn:schemas-microsoft-com:mac:vml" xmlns:p="http://schemas.openxmlformats.org/presentationml/2006/main" mc:Ignorable="mv" mc:PreserveAttributes="mv:*">
+<p:notesMaster xmlns:a="http://schemas.openxmlformats.org/drawingml/2006/main" xmlns:r="http://schemas.openxmlformats.org/officeDocument/2006/relationships" xmlns:p="http://schemas.openxmlformats.org/presentationml/2006/main">
   <p:cSld>
     <p:bg>
       <p:bgRef idx="1001">
@@ -474,7 +474,7 @@
               <a:pPr>
                 <a:defRPr/>
               </a:pPr>
-              <a:t>2/27/10</a:t>
+              <a:t>2/28/2010</a:t>
             </a:fld>
             <a:endParaRPr lang="en-US"/>
           </a:p>
@@ -789,7 +789,7 @@
 </file>
 
 <file path=ppt/notesSlides/notesSlide1.xml><?xml version="1.0" encoding="utf-8"?>
-<p:notes xmlns:a="http://schemas.openxmlformats.org/drawingml/2006/main" xmlns:r="http://schemas.openxmlformats.org/officeDocument/2006/relationships" xmlns:mc="http://schemas.openxmlformats.org/markup-compatibility/2006" xmlns:mv="urn:schemas-microsoft-com:mac:vml" xmlns:p="http://schemas.openxmlformats.org/presentationml/2006/main" mc:Ignorable="mv" mc:PreserveAttributes="mv:*">
+<p:notes xmlns:a="http://schemas.openxmlformats.org/drawingml/2006/main" xmlns:r="http://schemas.openxmlformats.org/officeDocument/2006/relationships" xmlns:p="http://schemas.openxmlformats.org/presentationml/2006/main">
   <p:cSld>
     <p:spTree>
       <p:nvGrpSpPr>
@@ -910,7 +910,7 @@
 </file>
 
 <file path=ppt/notesSlides/notesSlide10.xml><?xml version="1.0" encoding="utf-8"?>
-<p:notes xmlns:a="http://schemas.openxmlformats.org/drawingml/2006/main" xmlns:r="http://schemas.openxmlformats.org/officeDocument/2006/relationships" xmlns:mc="http://schemas.openxmlformats.org/markup-compatibility/2006" xmlns:mv="urn:schemas-microsoft-com:mac:vml" xmlns:p="http://schemas.openxmlformats.org/presentationml/2006/main" mc:Ignorable="mv" mc:PreserveAttributes="mv:*">
+<p:notes xmlns:a="http://schemas.openxmlformats.org/drawingml/2006/main" xmlns:r="http://schemas.openxmlformats.org/officeDocument/2006/relationships" xmlns:p="http://schemas.openxmlformats.org/presentationml/2006/main">
   <p:cSld>
     <p:spTree>
       <p:nvGrpSpPr>
@@ -1031,7 +1031,7 @@
 </file>
 
 <file path=ppt/notesSlides/notesSlide11.xml><?xml version="1.0" encoding="utf-8"?>
-<p:notes xmlns:a="http://schemas.openxmlformats.org/drawingml/2006/main" xmlns:r="http://schemas.openxmlformats.org/officeDocument/2006/relationships" xmlns:mc="http://schemas.openxmlformats.org/markup-compatibility/2006" xmlns:mv="urn:schemas-microsoft-com:mac:vml" xmlns:p="http://schemas.openxmlformats.org/presentationml/2006/main" mc:Ignorable="mv" mc:PreserveAttributes="mv:*">
+<p:notes xmlns:a="http://schemas.openxmlformats.org/drawingml/2006/main" xmlns:r="http://schemas.openxmlformats.org/officeDocument/2006/relationships" xmlns:p="http://schemas.openxmlformats.org/presentationml/2006/main">
   <p:cSld>
     <p:spTree>
       <p:nvGrpSpPr>
@@ -1152,7 +1152,7 @@
 </file>
 
 <file path=ppt/notesSlides/notesSlide12.xml><?xml version="1.0" encoding="utf-8"?>
-<p:notes xmlns:a="http://schemas.openxmlformats.org/drawingml/2006/main" xmlns:r="http://schemas.openxmlformats.org/officeDocument/2006/relationships" xmlns:mc="http://schemas.openxmlformats.org/markup-compatibility/2006" xmlns:mv="urn:schemas-microsoft-com:mac:vml" xmlns:p="http://schemas.openxmlformats.org/presentationml/2006/main" mc:Ignorable="mv" mc:PreserveAttributes="mv:*">
+<p:notes xmlns:a="http://schemas.openxmlformats.org/drawingml/2006/main" xmlns:r="http://schemas.openxmlformats.org/officeDocument/2006/relationships" xmlns:p="http://schemas.openxmlformats.org/presentationml/2006/main">
   <p:cSld>
     <p:spTree>
       <p:nvGrpSpPr>
@@ -1273,7 +1273,7 @@
 </file>
 
 <file path=ppt/notesSlides/notesSlide13.xml><?xml version="1.0" encoding="utf-8"?>
-<p:notes xmlns:a="http://schemas.openxmlformats.org/drawingml/2006/main" xmlns:r="http://schemas.openxmlformats.org/officeDocument/2006/relationships" xmlns:mc="http://schemas.openxmlformats.org/markup-compatibility/2006" xmlns:mv="urn:schemas-microsoft-com:mac:vml" xmlns:p="http://schemas.openxmlformats.org/presentationml/2006/main" mc:Ignorable="mv" mc:PreserveAttributes="mv:*">
+<p:notes xmlns:a="http://schemas.openxmlformats.org/drawingml/2006/main" xmlns:r="http://schemas.openxmlformats.org/officeDocument/2006/relationships" xmlns:p="http://schemas.openxmlformats.org/presentationml/2006/main">
   <p:cSld>
     <p:spTree>
       <p:nvGrpSpPr>
@@ -1394,7 +1394,7 @@
 </file>
 
 <file path=ppt/notesSlides/notesSlide2.xml><?xml version="1.0" encoding="utf-8"?>
-<p:notes xmlns:a="http://schemas.openxmlformats.org/drawingml/2006/main" xmlns:r="http://schemas.openxmlformats.org/officeDocument/2006/relationships" xmlns:mc="http://schemas.openxmlformats.org/markup-compatibility/2006" xmlns:mv="urn:schemas-microsoft-com:mac:vml" xmlns:p="http://schemas.openxmlformats.org/presentationml/2006/main" mc:Ignorable="mv" mc:PreserveAttributes="mv:*">
+<p:notes xmlns:a="http://schemas.openxmlformats.org/drawingml/2006/main" xmlns:r="http://schemas.openxmlformats.org/officeDocument/2006/relationships" xmlns:p="http://schemas.openxmlformats.org/presentationml/2006/main">
   <p:cSld>
     <p:spTree>
       <p:nvGrpSpPr>
@@ -1515,7 +1515,7 @@
 </file>
 
 <file path=ppt/notesSlides/notesSlide3.xml><?xml version="1.0" encoding="utf-8"?>
-<p:notes xmlns:a="http://schemas.openxmlformats.org/drawingml/2006/main" xmlns:r="http://schemas.openxmlformats.org/officeDocument/2006/relationships" xmlns:mc="http://schemas.openxmlformats.org/markup-compatibility/2006" xmlns:mv="urn:schemas-microsoft-com:mac:vml" xmlns:p="http://schemas.openxmlformats.org/presentationml/2006/main" mc:Ignorable="mv" mc:PreserveAttributes="mv:*">
+<p:notes xmlns:a="http://schemas.openxmlformats.org/drawingml/2006/main" xmlns:r="http://schemas.openxmlformats.org/officeDocument/2006/relationships" xmlns:p="http://schemas.openxmlformats.org/presentationml/2006/main">
   <p:cSld>
     <p:spTree>
       <p:nvGrpSpPr>
@@ -1636,7 +1636,7 @@
 </file>
 
 <file path=ppt/notesSlides/notesSlide4.xml><?xml version="1.0" encoding="utf-8"?>
-<p:notes xmlns:a="http://schemas.openxmlformats.org/drawingml/2006/main" xmlns:r="http://schemas.openxmlformats.org/officeDocument/2006/relationships" xmlns:mc="http://schemas.openxmlformats.org/markup-compatibility/2006" xmlns:mv="urn:schemas-microsoft-com:mac:vml" xmlns:p="http://schemas.openxmlformats.org/presentationml/2006/main" mc:Ignorable="mv" mc:PreserveAttributes="mv:*">
+<p:notes xmlns:a="http://schemas.openxmlformats.org/drawingml/2006/main" xmlns:r="http://schemas.openxmlformats.org/officeDocument/2006/relationships" xmlns:p="http://schemas.openxmlformats.org/presentationml/2006/main">
   <p:cSld>
     <p:spTree>
       <p:nvGrpSpPr>
@@ -1757,7 +1757,7 @@
 </file>
 
 <file path=ppt/notesSlides/notesSlide5.xml><?xml version="1.0" encoding="utf-8"?>
-<p:notes xmlns:a="http://schemas.openxmlformats.org/drawingml/2006/main" xmlns:r="http://schemas.openxmlformats.org/officeDocument/2006/relationships" xmlns:mc="http://schemas.openxmlformats.org/markup-compatibility/2006" xmlns:mv="urn:schemas-microsoft-com:mac:vml" xmlns:p="http://schemas.openxmlformats.org/presentationml/2006/main" mc:Ignorable="mv" mc:PreserveAttributes="mv:*">
+<p:notes xmlns:a="http://schemas.openxmlformats.org/drawingml/2006/main" xmlns:r="http://schemas.openxmlformats.org/officeDocument/2006/relationships" xmlns:p="http://schemas.openxmlformats.org/presentationml/2006/main">
   <p:cSld>
     <p:spTree>
       <p:nvGrpSpPr>
@@ -1878,7 +1878,7 @@
 </file>
 
 <file path=ppt/notesSlides/notesSlide6.xml><?xml version="1.0" encoding="utf-8"?>
-<p:notes xmlns:a="http://schemas.openxmlformats.org/drawingml/2006/main" xmlns:r="http://schemas.openxmlformats.org/officeDocument/2006/relationships" xmlns:mc="http://schemas.openxmlformats.org/markup-compatibility/2006" xmlns:mv="urn:schemas-microsoft-com:mac:vml" xmlns:p="http://schemas.openxmlformats.org/presentationml/2006/main" mc:Ignorable="mv" mc:PreserveAttributes="mv:*">
+<p:notes xmlns:a="http://schemas.openxmlformats.org/drawingml/2006/main" xmlns:r="http://schemas.openxmlformats.org/officeDocument/2006/relationships" xmlns:p="http://schemas.openxmlformats.org/presentationml/2006/main">
   <p:cSld>
     <p:spTree>
       <p:nvGrpSpPr>
@@ -1999,7 +1999,7 @@
 </file>
 
 <file path=ppt/notesSlides/notesSlide7.xml><?xml version="1.0" encoding="utf-8"?>
-<p:notes xmlns:a="http://schemas.openxmlformats.org/drawingml/2006/main" xmlns:r="http://schemas.openxmlformats.org/officeDocument/2006/relationships" xmlns:mc="http://schemas.openxmlformats.org/markup-compatibility/2006" xmlns:mv="urn:schemas-microsoft-com:mac:vml" xmlns:p="http://schemas.openxmlformats.org/presentationml/2006/main" mc:Ignorable="mv" mc:PreserveAttributes="mv:*">
+<p:notes xmlns:a="http://schemas.openxmlformats.org/drawingml/2006/main" xmlns:r="http://schemas.openxmlformats.org/officeDocument/2006/relationships" xmlns:p="http://schemas.openxmlformats.org/presentationml/2006/main">
   <p:cSld>
     <p:spTree>
       <p:nvGrpSpPr>
@@ -2120,7 +2120,7 @@
 </file>
 
 <file path=ppt/notesSlides/notesSlide8.xml><?xml version="1.0" encoding="utf-8"?>
-<p:notes xmlns:a="http://schemas.openxmlformats.org/drawingml/2006/main" xmlns:r="http://schemas.openxmlformats.org/officeDocument/2006/relationships" xmlns:mc="http://schemas.openxmlformats.org/markup-compatibility/2006" xmlns:mv="urn:schemas-microsoft-com:mac:vml" xmlns:p="http://schemas.openxmlformats.org/presentationml/2006/main" mc:Ignorable="mv" mc:PreserveAttributes="mv:*">
+<p:notes xmlns:a="http://schemas.openxmlformats.org/drawingml/2006/main" xmlns:r="http://schemas.openxmlformats.org/officeDocument/2006/relationships" xmlns:p="http://schemas.openxmlformats.org/presentationml/2006/main">
   <p:cSld>
     <p:spTree>
       <p:nvGrpSpPr>
@@ -2241,7 +2241,7 @@
 </file>
 
 <file path=ppt/notesSlides/notesSlide9.xml><?xml version="1.0" encoding="utf-8"?>
-<p:notes xmlns:a="http://schemas.openxmlformats.org/drawingml/2006/main" xmlns:r="http://schemas.openxmlformats.org/officeDocument/2006/relationships" xmlns:mc="http://schemas.openxmlformats.org/markup-compatibility/2006" xmlns:mv="urn:schemas-microsoft-com:mac:vml" xmlns:p="http://schemas.openxmlformats.org/presentationml/2006/main" mc:Ignorable="mv" mc:PreserveAttributes="mv:*">
+<p:notes xmlns:a="http://schemas.openxmlformats.org/drawingml/2006/main" xmlns:r="http://schemas.openxmlformats.org/officeDocument/2006/relationships" xmlns:p="http://schemas.openxmlformats.org/presentationml/2006/main">
   <p:cSld>
     <p:spTree>
       <p:nvGrpSpPr>
@@ -2362,7 +2362,7 @@
 </file>
 
 <file path=ppt/slideLayouts/slideLayout1.xml><?xml version="1.0" encoding="utf-8"?>
-<p:sldLayout xmlns:a="http://schemas.openxmlformats.org/drawingml/2006/main" xmlns:r="http://schemas.openxmlformats.org/officeDocument/2006/relationships" xmlns:mc="http://schemas.openxmlformats.org/markup-compatibility/2006" xmlns:mv="urn:schemas-microsoft-com:mac:vml" xmlns:p="http://schemas.openxmlformats.org/presentationml/2006/main" mc:Ignorable="mv" mc:PreserveAttributes="mv:*" type="title" preserve="1">
+<p:sldLayout xmlns:a="http://schemas.openxmlformats.org/drawingml/2006/main" xmlns:r="http://schemas.openxmlformats.org/officeDocument/2006/relationships" xmlns:p="http://schemas.openxmlformats.org/presentationml/2006/main" type="title" preserve="1">
   <p:cSld name="Title Slide">
     <p:spTree>
       <p:nvGrpSpPr>
@@ -2521,7 +2521,7 @@
 </file>
 
 <file path=ppt/slideLayouts/slideLayout2.xml><?xml version="1.0" encoding="utf-8"?>
-<p:sldLayout xmlns:a="http://schemas.openxmlformats.org/drawingml/2006/main" xmlns:r="http://schemas.openxmlformats.org/officeDocument/2006/relationships" xmlns:mc="http://schemas.openxmlformats.org/markup-compatibility/2006" xmlns:mv="urn:schemas-microsoft-com:mac:vml" xmlns:p="http://schemas.openxmlformats.org/presentationml/2006/main" mc:Ignorable="mv" mc:PreserveAttributes="mv:*" type="obj" preserve="1">
+<p:sldLayout xmlns:a="http://schemas.openxmlformats.org/drawingml/2006/main" xmlns:r="http://schemas.openxmlformats.org/officeDocument/2006/relationships" xmlns:p="http://schemas.openxmlformats.org/presentationml/2006/main" type="obj" preserve="1">
   <p:cSld name="Title and Content">
     <p:spTree>
       <p:nvGrpSpPr>
@@ -2672,7 +2672,7 @@
 </file>
 
 <file path=ppt/slideLayouts/slideLayout3.xml><?xml version="1.0" encoding="utf-8"?>
-<p:sldLayout xmlns:a="http://schemas.openxmlformats.org/drawingml/2006/main" xmlns:r="http://schemas.openxmlformats.org/officeDocument/2006/relationships" xmlns:mc="http://schemas.openxmlformats.org/markup-compatibility/2006" xmlns:mv="urn:schemas-microsoft-com:mac:vml" xmlns:p="http://schemas.openxmlformats.org/presentationml/2006/main" mc:Ignorable="mv" mc:PreserveAttributes="mv:*" type="secHead" preserve="1">
+<p:sldLayout xmlns:a="http://schemas.openxmlformats.org/drawingml/2006/main" xmlns:r="http://schemas.openxmlformats.org/officeDocument/2006/relationships" xmlns:p="http://schemas.openxmlformats.org/presentationml/2006/main" type="secHead" preserve="1">
   <p:cSld name="Section Header">
     <p:spTree>
       <p:nvGrpSpPr>
@@ -2843,7 +2843,7 @@
 </file>
 
 <file path=ppt/slideLayouts/slideLayout4.xml><?xml version="1.0" encoding="utf-8"?>
-<p:sldLayout xmlns:a="http://schemas.openxmlformats.org/drawingml/2006/main" xmlns:r="http://schemas.openxmlformats.org/officeDocument/2006/relationships" xmlns:mc="http://schemas.openxmlformats.org/markup-compatibility/2006" xmlns:mv="urn:schemas-microsoft-com:mac:vml" xmlns:p="http://schemas.openxmlformats.org/presentationml/2006/main" mc:Ignorable="mv" mc:PreserveAttributes="mv:*" type="twoObj" preserve="1">
+<p:sldLayout xmlns:a="http://schemas.openxmlformats.org/drawingml/2006/main" xmlns:r="http://schemas.openxmlformats.org/officeDocument/2006/relationships" xmlns:p="http://schemas.openxmlformats.org/presentationml/2006/main" type="twoObj" preserve="1">
   <p:cSld name="Two Content">
     <p:spTree>
       <p:nvGrpSpPr>
@@ -3118,7 +3118,7 @@
 </file>
 
 <file path=ppt/slideLayouts/slideLayout5.xml><?xml version="1.0" encoding="utf-8"?>
-<p:sldLayout xmlns:a="http://schemas.openxmlformats.org/drawingml/2006/main" xmlns:r="http://schemas.openxmlformats.org/officeDocument/2006/relationships" xmlns:mc="http://schemas.openxmlformats.org/markup-compatibility/2006" xmlns:mv="urn:schemas-microsoft-com:mac:vml" xmlns:p="http://schemas.openxmlformats.org/presentationml/2006/main" mc:Ignorable="mv" mc:PreserveAttributes="mv:*" type="twoTxTwoObj" preserve="1">
+<p:sldLayout xmlns:a="http://schemas.openxmlformats.org/drawingml/2006/main" xmlns:r="http://schemas.openxmlformats.org/officeDocument/2006/relationships" xmlns:p="http://schemas.openxmlformats.org/presentationml/2006/main" type="twoTxTwoObj" preserve="1">
   <p:cSld name="Comparison">
     <p:spTree>
       <p:nvGrpSpPr>
@@ -3533,7 +3533,7 @@
 </file>
 
 <file path=ppt/slideLayouts/slideLayout6.xml><?xml version="1.0" encoding="utf-8"?>
-<p:sldLayout xmlns:a="http://schemas.openxmlformats.org/drawingml/2006/main" xmlns:r="http://schemas.openxmlformats.org/officeDocument/2006/relationships" xmlns:mc="http://schemas.openxmlformats.org/markup-compatibility/2006" xmlns:mv="urn:schemas-microsoft-com:mac:vml" xmlns:p="http://schemas.openxmlformats.org/presentationml/2006/main" mc:Ignorable="mv" mc:PreserveAttributes="mv:*" type="titleOnly" preserve="1">
+<p:sldLayout xmlns:a="http://schemas.openxmlformats.org/drawingml/2006/main" xmlns:r="http://schemas.openxmlformats.org/officeDocument/2006/relationships" xmlns:p="http://schemas.openxmlformats.org/presentationml/2006/main" type="titleOnly" preserve="1">
   <p:cSld name="Title Only">
     <p:spTree>
       <p:nvGrpSpPr>
@@ -3624,7 +3624,7 @@
 </file>
 
 <file path=ppt/slideLayouts/slideLayout7.xml><?xml version="1.0" encoding="utf-8"?>
-<p:sldLayout xmlns:a="http://schemas.openxmlformats.org/drawingml/2006/main" xmlns:r="http://schemas.openxmlformats.org/officeDocument/2006/relationships" xmlns:mc="http://schemas.openxmlformats.org/markup-compatibility/2006" xmlns:mv="urn:schemas-microsoft-com:mac:vml" xmlns:p="http://schemas.openxmlformats.org/presentationml/2006/main" mc:Ignorable="mv" mc:PreserveAttributes="mv:*" type="blank" preserve="1">
+<p:sldLayout xmlns:a="http://schemas.openxmlformats.org/drawingml/2006/main" xmlns:r="http://schemas.openxmlformats.org/officeDocument/2006/relationships" xmlns:p="http://schemas.openxmlformats.org/presentationml/2006/main" type="blank" preserve="1">
   <p:cSld name="Blank">
     <p:spTree>
       <p:nvGrpSpPr>
@@ -3684,7 +3684,7 @@
 </file>
 
 <file path=ppt/slideLayouts/slideLayout8.xml><?xml version="1.0" encoding="utf-8"?>
-<p:sldLayout xmlns:a="http://schemas.openxmlformats.org/drawingml/2006/main" xmlns:r="http://schemas.openxmlformats.org/officeDocument/2006/relationships" xmlns:mc="http://schemas.openxmlformats.org/markup-compatibility/2006" xmlns:mv="urn:schemas-microsoft-com:mac:vml" xmlns:p="http://schemas.openxmlformats.org/presentationml/2006/main" mc:Ignorable="mv" mc:PreserveAttributes="mv:*" type="objTx" preserve="1">
+<p:sldLayout xmlns:a="http://schemas.openxmlformats.org/drawingml/2006/main" xmlns:r="http://schemas.openxmlformats.org/officeDocument/2006/relationships" xmlns:p="http://schemas.openxmlformats.org/presentationml/2006/main" type="objTx" preserve="1">
   <p:cSld name="Content with Caption">
     <p:spTree>
       <p:nvGrpSpPr>
@@ -3943,7 +3943,7 @@
 </file>
 
 <file path=ppt/slideLayouts/slideLayout9.xml><?xml version="1.0" encoding="utf-8"?>
-<p:sldLayout xmlns:a="http://schemas.openxmlformats.org/drawingml/2006/main" xmlns:r="http://schemas.openxmlformats.org/officeDocument/2006/relationships" xmlns:mc="http://schemas.openxmlformats.org/markup-compatibility/2006" xmlns:mv="urn:schemas-microsoft-com:mac:vml" xmlns:p="http://schemas.openxmlformats.org/presentationml/2006/main" mc:Ignorable="mv" mc:PreserveAttributes="mv:*" type="picTx" preserve="1">
+<p:sldLayout xmlns:a="http://schemas.openxmlformats.org/drawingml/2006/main" xmlns:r="http://schemas.openxmlformats.org/officeDocument/2006/relationships" xmlns:p="http://schemas.openxmlformats.org/presentationml/2006/main" type="picTx" preserve="1">
   <p:cSld name="Picture with Caption">
     <p:spTree>
       <p:nvGrpSpPr>
@@ -4177,7 +4177,7 @@
 </file>
 
 <file path=ppt/slideMasters/slideMaster1.xml><?xml version="1.0" encoding="utf-8"?>
-<p:sldMaster xmlns:a="http://schemas.openxmlformats.org/drawingml/2006/main" xmlns:r="http://schemas.openxmlformats.org/officeDocument/2006/relationships" xmlns:mc="http://schemas.openxmlformats.org/markup-compatibility/2006" xmlns:mv="urn:schemas-microsoft-com:mac:vml" xmlns:p="http://schemas.openxmlformats.org/presentationml/2006/main" mc:Ignorable="mv" mc:PreserveAttributes="mv:*">
+<p:sldMaster xmlns:a="http://schemas.openxmlformats.org/drawingml/2006/main" xmlns:r="http://schemas.openxmlformats.org/officeDocument/2006/relationships" xmlns:p="http://schemas.openxmlformats.org/presentationml/2006/main">
   <p:cSld>
     <p:bg>
       <p:bgPr>
@@ -4354,14 +4354,7 @@
                 <a:latin typeface="Comic Sans MS" pitchFamily="66" charset="0"/>
                 <a:sym typeface="Gill Sans" pitchFamily="-112" charset="0"/>
               </a:rPr>
-              <a:t>Albert R Meyer,</a:t>
-            </a:r>
-            <a:r>
-              <a:rPr lang="en-US" sz="1200" dirty="0" smtClean="0">
-                <a:latin typeface="Comic Sans MS" pitchFamily="66" charset="0"/>
-                <a:sym typeface="Gill Sans" pitchFamily="-112" charset="0"/>
-              </a:rPr>
-              <a:t> March</a:t>
+              <a:t>Albert R Meyer, March</a:t>
             </a:r>
             <a:r>
               <a:rPr lang="en-US" sz="1200" baseline="0" dirty="0" smtClean="0">
@@ -4910,7 +4903,7 @@
 </file>
 
 <file path=ppt/slides/slide1.xml><?xml version="1.0" encoding="utf-8"?>
-<p:sld xmlns:a="http://schemas.openxmlformats.org/drawingml/2006/main" xmlns:r="http://schemas.openxmlformats.org/officeDocument/2006/relationships" xmlns:mc="http://schemas.openxmlformats.org/markup-compatibility/2006" xmlns:mv="urn:schemas-microsoft-com:mac:vml" xmlns:p="http://schemas.openxmlformats.org/presentationml/2006/main" mc:Ignorable="mv" mc:PreserveAttributes="mv:*">
+<p:sld xmlns:a="http://schemas.openxmlformats.org/drawingml/2006/main" xmlns:r="http://schemas.openxmlformats.org/officeDocument/2006/relationships" xmlns:p="http://schemas.openxmlformats.org/presentationml/2006/main">
   <p:cSld>
     <p:spTree>
       <p:nvGrpSpPr>
@@ -5123,7 +5116,7 @@
 </file>
 
 <file path=ppt/slides/slide10.xml><?xml version="1.0" encoding="utf-8"?>
-<p:sld xmlns:a="http://schemas.openxmlformats.org/drawingml/2006/main" xmlns:r="http://schemas.openxmlformats.org/officeDocument/2006/relationships" xmlns:mc="http://schemas.openxmlformats.org/markup-compatibility/2006" xmlns:mv="urn:schemas-microsoft-com:mac:vml" xmlns:p="http://schemas.openxmlformats.org/presentationml/2006/main" mc:Ignorable="mv" mc:PreserveAttributes="mv:*" showMasterPhAnim="0">
+<p:sld xmlns:a="http://schemas.openxmlformats.org/drawingml/2006/main" xmlns:r="http://schemas.openxmlformats.org/officeDocument/2006/relationships" xmlns:p="http://schemas.openxmlformats.org/presentationml/2006/main" showMasterPhAnim="0">
   <p:cSld>
     <p:spTree>
       <p:nvGrpSpPr>
@@ -5213,11 +5206,11 @@
               </a:lnSpc>
             </a:pPr>
             <a:r>
-              <a:rPr lang="en-US" sz="4400" smtClean="0"/>
+              <a:rPr lang="en-US" sz="4400" dirty="0" smtClean="0"/>
               <a:t>A </a:t>
             </a:r>
             <a:r>
-              <a:rPr lang="en-US" sz="4400" smtClean="0">
+              <a:rPr lang="en-US" sz="4400" dirty="0" smtClean="0">
                 <a:solidFill>
                   <a:srgbClr val="0000CC"/>
                 </a:solidFill>
@@ -5225,11 +5218,11 @@
               <a:t>derived variable</a:t>
             </a:r>
             <a:r>
-              <a:rPr lang="en-US" sz="4400" smtClean="0"/>
+              <a:rPr lang="en-US" sz="4400" dirty="0" smtClean="0"/>
               <a:t>,</a:t>
             </a:r>
             <a:r>
-              <a:rPr lang="en-US" sz="4400" smtClean="0">
+              <a:rPr lang="en-US" sz="4400" dirty="0" smtClean="0">
                 <a:solidFill>
                   <a:srgbClr val="0000CC"/>
                 </a:solidFill>
@@ -5237,8 +5230,16 @@
               <a:t> v</a:t>
             </a:r>
             <a:r>
-              <a:rPr lang="en-US" sz="4400" smtClean="0"/>
-              <a:t>, is a function giving a “value” to each state:</a:t>
+              <a:rPr lang="en-US" sz="4400" dirty="0" smtClean="0"/>
+              <a:t>, is a function </a:t>
+            </a:r>
+            <a:r>
+              <a:rPr lang="en-US" sz="4400" dirty="0" smtClean="0"/>
+              <a:t>assigning a </a:t>
+            </a:r>
+            <a:r>
+              <a:rPr lang="en-US" sz="4400" dirty="0" smtClean="0"/>
+              <a:t>“value” to each state:</a:t>
             </a:r>
           </a:p>
           <a:p>
@@ -5251,11 +5252,11 @@
               </a:spcBef>
             </a:pPr>
             <a:r>
-              <a:rPr lang="en-US" sz="4400" i="1" smtClean="0"/>
+              <a:rPr lang="en-US" sz="4400" i="1" dirty="0" smtClean="0"/>
               <a:t> </a:t>
             </a:r>
             <a:r>
-              <a:rPr lang="en-US" sz="4400" smtClean="0">
+              <a:rPr lang="en-US" sz="4400" dirty="0" smtClean="0">
                 <a:solidFill>
                   <a:srgbClr val="0000CC"/>
                 </a:solidFill>
@@ -5263,11 +5264,11 @@
               <a:t>v</a:t>
             </a:r>
             <a:r>
-              <a:rPr lang="en-US" sz="4400" smtClean="0"/>
+              <a:rPr lang="en-US" sz="4400" dirty="0" smtClean="0"/>
               <a:t>:</a:t>
             </a:r>
             <a:r>
-              <a:rPr lang="en-US" sz="4400" smtClean="0">
+              <a:rPr lang="en-US" sz="4400" dirty="0" smtClean="0">
                 <a:solidFill>
                   <a:srgbClr val="006600"/>
                 </a:solidFill>
@@ -5275,17 +5276,17 @@
               <a:t> </a:t>
             </a:r>
             <a:r>
-              <a:rPr lang="en-US" sz="4400" smtClean="0"/>
+              <a:rPr lang="en-US" sz="4400" dirty="0" smtClean="0"/>
               <a:t>States </a:t>
             </a:r>
             <a:r>
-              <a:rPr lang="en-US" sz="4400" b="1" smtClean="0">
+              <a:rPr lang="en-US" sz="4400" b="1" dirty="0" smtClean="0">
                 <a:sym typeface="Symbol" pitchFamily="-107" charset="2"/>
               </a:rPr>
               <a:t>→</a:t>
             </a:r>
             <a:r>
-              <a:rPr lang="en-US" sz="4400" smtClean="0">
+              <a:rPr lang="en-US" sz="4400" dirty="0" smtClean="0">
                 <a:solidFill>
                   <a:srgbClr val="006600"/>
                 </a:solidFill>
@@ -5293,14 +5294,14 @@
               <a:t> </a:t>
             </a:r>
             <a:r>
-              <a:rPr lang="en-US" sz="4400" smtClean="0">
+              <a:rPr lang="en-US" sz="4400" dirty="0" smtClean="0">
                 <a:solidFill>
                   <a:srgbClr val="0000CC"/>
                 </a:solidFill>
               </a:rPr>
               <a:t>Values</a:t>
             </a:r>
-            <a:endParaRPr lang="en-US" sz="4400" smtClean="0"/>
+            <a:endParaRPr lang="en-US" sz="4400" dirty="0" smtClean="0"/>
           </a:p>
           <a:p>
             <a:pPr marL="0" indent="0" eaLnBrk="1" hangingPunct="1">
@@ -5312,11 +5313,11 @@
               </a:spcBef>
             </a:pPr>
             <a:r>
-              <a:rPr lang="en-US" smtClean="0"/>
+              <a:rPr lang="en-US" dirty="0" smtClean="0"/>
               <a:t>If </a:t>
             </a:r>
             <a:r>
-              <a:rPr lang="en-US" smtClean="0">
+              <a:rPr lang="en-US" dirty="0" err="1" smtClean="0">
                 <a:solidFill>
                   <a:srgbClr val="0000CC"/>
                 </a:solidFill>
@@ -5324,11 +5325,11 @@
               <a:t>Vals</a:t>
             </a:r>
             <a:r>
-              <a:rPr lang="en-US" smtClean="0"/>
+              <a:rPr lang="en-US" dirty="0" smtClean="0"/>
               <a:t> = </a:t>
             </a:r>
             <a:r>
-              <a:rPr lang="en-US" sz="5400" b="1" smtClean="0">
+              <a:rPr lang="en-US" sz="5400" b="1" dirty="0" smtClean="0">
                 <a:solidFill>
                   <a:srgbClr val="0000CC"/>
                 </a:solidFill>
@@ -5337,7 +5338,7 @@
               <a:t></a:t>
             </a:r>
             <a:r>
-              <a:rPr lang="en-US" sz="4400" smtClean="0">
+              <a:rPr lang="en-US" sz="4400" dirty="0" smtClean="0">
                 <a:solidFill>
                   <a:srgbClr val="0000CC"/>
                 </a:solidFill>
@@ -5346,13 +5347,13 @@
               <a:t>,</a:t>
             </a:r>
             <a:r>
-              <a:rPr lang="en-US" sz="4400" smtClean="0">
+              <a:rPr lang="en-US" sz="4400" dirty="0" smtClean="0">
                 <a:sym typeface="Euclid Extra" pitchFamily="-107" charset="0"/>
               </a:rPr>
               <a:t> say </a:t>
             </a:r>
             <a:r>
-              <a:rPr lang="en-US" sz="4400" smtClean="0">
+              <a:rPr lang="en-US" sz="4400" dirty="0" smtClean="0">
                 <a:solidFill>
                   <a:srgbClr val="0000CC"/>
                 </a:solidFill>
@@ -5361,23 +5362,23 @@
               <a:t>v</a:t>
             </a:r>
             <a:r>
-              <a:rPr lang="en-US" sz="4400" i="1" smtClean="0">
+              <a:rPr lang="en-US" sz="4400" i="1" dirty="0" smtClean="0">
                 <a:sym typeface="Euclid Extra" pitchFamily="-107" charset="0"/>
               </a:rPr>
               <a:t> </a:t>
             </a:r>
             <a:r>
-              <a:rPr lang="en-US" sz="4400" smtClean="0">
+              <a:rPr lang="en-US" sz="4400" dirty="0" smtClean="0">
                 <a:sym typeface="Euclid Extra" pitchFamily="-107" charset="0"/>
               </a:rPr>
               <a:t>is “</a:t>
             </a:r>
             <a:r>
-              <a:rPr lang="en-US" smtClean="0"/>
+              <a:rPr lang="en-US" dirty="0" smtClean="0"/>
               <a:t> </a:t>
             </a:r>
             <a:r>
-              <a:rPr lang="en-US" sz="5400" b="1" smtClean="0">
+              <a:rPr lang="en-US" sz="5400" b="1" dirty="0" smtClean="0">
                 <a:solidFill>
                   <a:srgbClr val="0000CC"/>
                 </a:solidFill>
@@ -5386,7 +5387,7 @@
               <a:t></a:t>
             </a:r>
             <a:r>
-              <a:rPr lang="en-US" sz="4400" smtClean="0">
+              <a:rPr lang="en-US" sz="4400" dirty="0" smtClean="0">
                 <a:sym typeface="Euclid Extra" pitchFamily="-107" charset="0"/>
               </a:rPr>
               <a:t>-valued”</a:t>
@@ -5399,13 +5400,13 @@
               </a:lnSpc>
             </a:pPr>
             <a:r>
-              <a:rPr lang="en-US" sz="4400" smtClean="0">
+              <a:rPr lang="en-US" sz="4400" dirty="0" smtClean="0">
                 <a:sym typeface="Euclid Extra" pitchFamily="-107" charset="0"/>
               </a:rPr>
               <a:t>or “</a:t>
             </a:r>
             <a:r>
-              <a:rPr lang="en-US" sz="4400" smtClean="0">
+              <a:rPr lang="en-US" sz="4400" dirty="0" smtClean="0">
                 <a:solidFill>
                   <a:srgbClr val="0000CC"/>
                 </a:solidFill>
@@ -5414,7 +5415,7 @@
               <a:t>nonnegative-integer</a:t>
             </a:r>
             <a:r>
-              <a:rPr lang="en-US" sz="4400" smtClean="0">
+              <a:rPr lang="en-US" sz="4400" dirty="0" smtClean="0">
                 <a:sym typeface="Euclid Extra" pitchFamily="-107" charset="0"/>
               </a:rPr>
               <a:t>-valued”</a:t>
@@ -5623,7 +5624,7 @@
 </file>
 
 <file path=ppt/slides/slide11.xml><?xml version="1.0" encoding="utf-8"?>
-<p:sld xmlns:a="http://schemas.openxmlformats.org/drawingml/2006/main" xmlns:r="http://schemas.openxmlformats.org/officeDocument/2006/relationships" xmlns:mc="http://schemas.openxmlformats.org/markup-compatibility/2006" xmlns:mv="urn:schemas-microsoft-com:mac:vml" xmlns:p="http://schemas.openxmlformats.org/presentationml/2006/main" mc:Ignorable="mv" mc:PreserveAttributes="mv:*" showMasterPhAnim="0">
+<p:sld xmlns:a="http://schemas.openxmlformats.org/drawingml/2006/main" xmlns:r="http://schemas.openxmlformats.org/officeDocument/2006/relationships" xmlns:p="http://schemas.openxmlformats.org/presentationml/2006/main" showMasterPhAnim="0">
   <p:cSld>
     <p:spTree>
       <p:nvGrpSpPr>
@@ -6144,7 +6145,7 @@
 </file>
 
 <file path=ppt/slides/slide12.xml><?xml version="1.0" encoding="utf-8"?>
-<p:sld xmlns:a="http://schemas.openxmlformats.org/drawingml/2006/main" xmlns:r="http://schemas.openxmlformats.org/officeDocument/2006/relationships" xmlns:mc="http://schemas.openxmlformats.org/markup-compatibility/2006" xmlns:mv="urn:schemas-microsoft-com:mac:vml" xmlns:p="http://schemas.openxmlformats.org/presentationml/2006/main" mc:Ignorable="mv" mc:PreserveAttributes="mv:*" showMasterPhAnim="0">
+<p:sld xmlns:a="http://schemas.openxmlformats.org/drawingml/2006/main" xmlns:r="http://schemas.openxmlformats.org/officeDocument/2006/relationships" xmlns:p="http://schemas.openxmlformats.org/presentationml/2006/main" showMasterPhAnim="0">
   <p:cSld>
     <p:spTree>
       <p:nvGrpSpPr>
@@ -6492,7 +6493,7 @@
 </file>
 
 <file path=ppt/slides/slide13.xml><?xml version="1.0" encoding="utf-8"?>
-<p:sld xmlns:a="http://schemas.openxmlformats.org/drawingml/2006/main" xmlns:r="http://schemas.openxmlformats.org/officeDocument/2006/relationships" xmlns:mc="http://schemas.openxmlformats.org/markup-compatibility/2006" xmlns:mv="urn:schemas-microsoft-com:mac:vml" xmlns:p="http://schemas.openxmlformats.org/presentationml/2006/main" mc:Ignorable="mv" mc:PreserveAttributes="mv:*" showMasterPhAnim="0">
+<p:sld xmlns:a="http://schemas.openxmlformats.org/drawingml/2006/main" xmlns:r="http://schemas.openxmlformats.org/officeDocument/2006/relationships" xmlns:p="http://schemas.openxmlformats.org/presentationml/2006/main" showMasterPhAnim="0">
   <p:cSld>
     <p:spTree>
       <p:nvGrpSpPr>
@@ -6797,7 +6798,7 @@
 </file>
 
 <file path=ppt/slides/slide14.xml><?xml version="1.0" encoding="utf-8"?>
-<p:sld xmlns:a="http://schemas.openxmlformats.org/drawingml/2006/main" xmlns:r="http://schemas.openxmlformats.org/officeDocument/2006/relationships" xmlns:mc="http://schemas.openxmlformats.org/markup-compatibility/2006" xmlns:mv="urn:schemas-microsoft-com:mac:vml" xmlns:p="http://schemas.openxmlformats.org/presentationml/2006/main" mc:Ignorable="mv" mc:PreserveAttributes="mv:*">
+<p:sld xmlns:a="http://schemas.openxmlformats.org/drawingml/2006/main" xmlns:r="http://schemas.openxmlformats.org/officeDocument/2006/relationships" xmlns:p="http://schemas.openxmlformats.org/presentationml/2006/main">
   <p:cSld>
     <p:spTree>
       <p:nvGrpSpPr>
@@ -7259,7 +7260,7 @@
 </file>
 
 <file path=ppt/slides/slide15.xml><?xml version="1.0" encoding="utf-8"?>
-<p:sld xmlns:a="http://schemas.openxmlformats.org/drawingml/2006/main" xmlns:r="http://schemas.openxmlformats.org/officeDocument/2006/relationships" xmlns:mc="http://schemas.openxmlformats.org/markup-compatibility/2006" xmlns:mv="urn:schemas-microsoft-com:mac:vml" xmlns:p="http://schemas.openxmlformats.org/presentationml/2006/main" mc:Ignorable="mv" mc:PreserveAttributes="mv:*">
+<p:sld xmlns:a="http://schemas.openxmlformats.org/drawingml/2006/main" xmlns:r="http://schemas.openxmlformats.org/officeDocument/2006/relationships" xmlns:p="http://schemas.openxmlformats.org/presentationml/2006/main">
   <p:cSld>
     <p:spTree>
       <p:nvGrpSpPr>
@@ -7571,7 +7572,7 @@
 </file>
 
 <file path=ppt/slides/slide16.xml><?xml version="1.0" encoding="utf-8"?>
-<p:sld xmlns:a="http://schemas.openxmlformats.org/drawingml/2006/main" xmlns:r="http://schemas.openxmlformats.org/officeDocument/2006/relationships" xmlns:mc="http://schemas.openxmlformats.org/markup-compatibility/2006" xmlns:mv="urn:schemas-microsoft-com:mac:vml" xmlns:p="http://schemas.openxmlformats.org/presentationml/2006/main" mc:Ignorable="mv" mc:PreserveAttributes="mv:*">
+<p:sld xmlns:a="http://schemas.openxmlformats.org/drawingml/2006/main" xmlns:r="http://schemas.openxmlformats.org/officeDocument/2006/relationships" xmlns:p="http://schemas.openxmlformats.org/presentationml/2006/main">
   <p:cSld>
     <p:spTree>
       <p:nvGrpSpPr>
@@ -8219,7 +8220,7 @@
         </p:xfrm>
         <a:graphic>
           <a:graphicData uri="http://schemas.openxmlformats.org/presentationml/2006/ole">
-            <p:oleObj spid="_x0000_s35842" name="Equation" r:id="rId4" imgW="7962840" imgH="596880" progId="Equation.DSMT4">
+            <p:oleObj spid="_x0000_s35842" name="Equation" r:id="rId4" imgW="7962840" imgH="596880" progId="">
               <p:embed/>
             </p:oleObj>
           </a:graphicData>
@@ -8910,7 +8911,7 @@
 </file>
 
 <file path=ppt/slides/slide17.xml><?xml version="1.0" encoding="utf-8"?>
-<p:sld xmlns:a="http://schemas.openxmlformats.org/drawingml/2006/main" xmlns:r="http://schemas.openxmlformats.org/officeDocument/2006/relationships" xmlns:mc="http://schemas.openxmlformats.org/markup-compatibility/2006" xmlns:mv="urn:schemas-microsoft-com:mac:vml" xmlns:p="http://schemas.openxmlformats.org/presentationml/2006/main" mc:Ignorable="mv" mc:PreserveAttributes="mv:*">
+<p:sld xmlns:a="http://schemas.openxmlformats.org/drawingml/2006/main" xmlns:r="http://schemas.openxmlformats.org/officeDocument/2006/relationships" xmlns:p="http://schemas.openxmlformats.org/presentationml/2006/main">
   <p:cSld>
     <p:spTree>
       <p:nvGrpSpPr>
@@ -10150,7 +10151,7 @@
         </p:xfrm>
         <a:graphic>
           <a:graphicData uri="http://schemas.openxmlformats.org/presentationml/2006/ole">
-            <p:oleObj spid="_x0000_s37890" name="Equation" r:id="rId4" imgW="7962840" imgH="596880" progId="Equation.DSMT4">
+            <p:oleObj spid="_x0000_s37890" name="Equation" r:id="rId4" imgW="7962840" imgH="596880" progId="">
               <p:embed/>
             </p:oleObj>
           </a:graphicData>
@@ -10251,7 +10252,7 @@
 </file>
 
 <file path=ppt/slides/slide18.xml><?xml version="1.0" encoding="utf-8"?>
-<p:sld xmlns:a="http://schemas.openxmlformats.org/drawingml/2006/main" xmlns:r="http://schemas.openxmlformats.org/officeDocument/2006/relationships" xmlns:mc="http://schemas.openxmlformats.org/markup-compatibility/2006" xmlns:mv="urn:schemas-microsoft-com:mac:vml" xmlns:p="http://schemas.openxmlformats.org/presentationml/2006/main" mc:Ignorable="mv" mc:PreserveAttributes="mv:*">
+<p:sld xmlns:a="http://schemas.openxmlformats.org/drawingml/2006/main" xmlns:r="http://schemas.openxmlformats.org/officeDocument/2006/relationships" xmlns:p="http://schemas.openxmlformats.org/presentationml/2006/main">
   <p:cSld>
     <p:spTree>
       <p:nvGrpSpPr>
@@ -10854,7 +10855,7 @@
 </file>
 
 <file path=ppt/slides/slide19.xml><?xml version="1.0" encoding="utf-8"?>
-<p:sld xmlns:a="http://schemas.openxmlformats.org/drawingml/2006/main" xmlns:r="http://schemas.openxmlformats.org/officeDocument/2006/relationships" xmlns:mc="http://schemas.openxmlformats.org/markup-compatibility/2006" xmlns:mv="urn:schemas-microsoft-com:mac:vml" xmlns:p="http://schemas.openxmlformats.org/presentationml/2006/main" mc:Ignorable="mv" mc:PreserveAttributes="mv:*" show="0">
+<p:sld xmlns:a="http://schemas.openxmlformats.org/drawingml/2006/main" xmlns:r="http://schemas.openxmlformats.org/officeDocument/2006/relationships" xmlns:p="http://schemas.openxmlformats.org/presentationml/2006/main" show="0">
   <p:cSld>
     <p:spTree>
       <p:nvGrpSpPr>
@@ -11024,7 +11025,7 @@
 </file>
 
 <file path=ppt/slides/slide2.xml><?xml version="1.0" encoding="utf-8"?>
-<p:sld xmlns:a="http://schemas.openxmlformats.org/drawingml/2006/main" xmlns:r="http://schemas.openxmlformats.org/officeDocument/2006/relationships" xmlns:mc="http://schemas.openxmlformats.org/markup-compatibility/2006" xmlns:mv="urn:schemas-microsoft-com:mac:vml" xmlns:p="http://schemas.openxmlformats.org/presentationml/2006/main" mc:Ignorable="mv" mc:PreserveAttributes="mv:*" showMasterPhAnim="0">
+<p:sld xmlns:a="http://schemas.openxmlformats.org/drawingml/2006/main" xmlns:r="http://schemas.openxmlformats.org/officeDocument/2006/relationships" xmlns:p="http://schemas.openxmlformats.org/presentationml/2006/main" showMasterPhAnim="0">
   <p:cSld>
     <p:spTree>
       <p:nvGrpSpPr>
@@ -11188,40 +11189,40 @@
               <a:defRPr/>
             </a:pPr>
             <a:r>
-              <a:rPr lang="en-US" sz="4400" dirty="0" err="1">
-                <a:sym typeface="Comic Sans MS" pitchFamily="-112" charset="0"/>
-              </a:rPr>
-              <a:t>x</a:t>
-            </a:r>
-            <a:r>
               <a:rPr lang="en-US" sz="4400" dirty="0">
                 <a:sym typeface="Comic Sans MS" pitchFamily="-112" charset="0"/>
               </a:rPr>
-              <a:t> := a,   </a:t>
-            </a:r>
-            <a:r>
-              <a:rPr lang="en-US" sz="4400" dirty="0" err="1">
+              <a:t>x </a:t>
+            </a:r>
+            <a:r>
+              <a:rPr lang="en-US" sz="4400" dirty="0" smtClean="0">
                 <a:sym typeface="Comic Sans MS" pitchFamily="-112" charset="0"/>
               </a:rPr>
-              <a:t>y</a:t>
+              <a:t>::= </a:t>
             </a:r>
             <a:r>
               <a:rPr lang="en-US" sz="4400" dirty="0">
                 <a:sym typeface="Comic Sans MS" pitchFamily="-112" charset="0"/>
               </a:rPr>
-              <a:t> := </a:t>
-            </a:r>
-            <a:r>
-              <a:rPr lang="en-US" sz="4400" dirty="0" err="1">
+              <a:t>a,   y </a:t>
+            </a:r>
+            <a:r>
+              <a:rPr lang="en-US" sz="4400" dirty="0" smtClean="0">
                 <a:sym typeface="Comic Sans MS" pitchFamily="-112" charset="0"/>
               </a:rPr>
-              <a:t>b</a:t>
+              <a:t>:</a:t>
+            </a:r>
+            <a:r>
+              <a:rPr lang="en-US" sz="4400" dirty="0" smtClean="0">
+                <a:sym typeface="Comic Sans MS" pitchFamily="-112" charset="0"/>
+              </a:rPr>
+              <a:t>:= </a:t>
             </a:r>
             <a:r>
               <a:rPr lang="en-US" sz="4400" dirty="0">
                 <a:sym typeface="Comic Sans MS" pitchFamily="-112" charset="0"/>
               </a:rPr>
-              <a:t>. </a:t>
+              <a:t>b. </a:t>
             </a:r>
             <a:endParaRPr lang="en-US" dirty="0">
               <a:sym typeface="Comic Sans MS" pitchFamily="-112" charset="0"/>
@@ -11354,13 +11355,7 @@
               <a:rPr lang="en-US" dirty="0" smtClean="0">
                 <a:sym typeface="Comic Sans MS" pitchFamily="-112" charset="0"/>
               </a:rPr>
-              <a:t>)</a:t>
-            </a:r>
-            <a:r>
-              <a:rPr lang="en-US" dirty="0" smtClean="0">
-                <a:sym typeface="Comic Sans MS" pitchFamily="-112" charset="0"/>
-              </a:rPr>
-              <a:t>)</a:t>
+              <a:t>))</a:t>
             </a:r>
           </a:p>
           <a:p>
@@ -11379,17 +11374,8 @@
               <a:rPr lang="en-US" dirty="0" smtClean="0">
                 <a:sym typeface="Comic Sans MS" pitchFamily="-112" charset="0"/>
               </a:rPr>
-              <a:t>Go to step 2</a:t>
-            </a:r>
-            <a:r>
-              <a:rPr lang="en-US" dirty="0" smtClean="0">
-                <a:sym typeface="Comic Sans MS" pitchFamily="-112" charset="0"/>
-              </a:rPr>
-              <a:t>.</a:t>
-            </a:r>
-            <a:endParaRPr lang="en-US" dirty="0" smtClean="0">
-              <a:sym typeface="Comic Sans MS" pitchFamily="-112" charset="0"/>
-            </a:endParaRPr>
+              <a:t>Go to step 2.</a:t>
+            </a:r>
           </a:p>
         </p:txBody>
       </p:sp>
@@ -11800,7 +11786,7 @@
 </file>
 
 <file path=ppt/slides/slide20.xml><?xml version="1.0" encoding="utf-8"?>
-<p:sld xmlns:a="http://schemas.openxmlformats.org/drawingml/2006/main" xmlns:r="http://schemas.openxmlformats.org/officeDocument/2006/relationships" xmlns:mc="http://schemas.openxmlformats.org/markup-compatibility/2006" xmlns:mv="urn:schemas-microsoft-com:mac:vml" xmlns:p="http://schemas.openxmlformats.org/presentationml/2006/main" mc:Ignorable="mv" mc:PreserveAttributes="mv:*" show="0">
+<p:sld xmlns:a="http://schemas.openxmlformats.org/drawingml/2006/main" xmlns:r="http://schemas.openxmlformats.org/officeDocument/2006/relationships" xmlns:p="http://schemas.openxmlformats.org/presentationml/2006/main" show="0">
   <p:cSld>
     <p:spTree>
       <p:nvGrpSpPr>
@@ -12648,7 +12634,7 @@
 </file>
 
 <file path=ppt/slides/slide21.xml><?xml version="1.0" encoding="utf-8"?>
-<p:sld xmlns:a="http://schemas.openxmlformats.org/drawingml/2006/main" xmlns:r="http://schemas.openxmlformats.org/officeDocument/2006/relationships" xmlns:mc="http://schemas.openxmlformats.org/markup-compatibility/2006" xmlns:mv="urn:schemas-microsoft-com:mac:vml" xmlns:p="http://schemas.openxmlformats.org/presentationml/2006/main" mc:Ignorable="mv" mc:PreserveAttributes="mv:*" show="0">
+<p:sld xmlns:a="http://schemas.openxmlformats.org/drawingml/2006/main" xmlns:r="http://schemas.openxmlformats.org/officeDocument/2006/relationships" xmlns:p="http://schemas.openxmlformats.org/presentationml/2006/main" show="0">
   <p:cSld>
     <p:spTree>
       <p:nvGrpSpPr>
@@ -12804,7 +12790,7 @@
 </file>
 
 <file path=ppt/slides/slide22.xml><?xml version="1.0" encoding="utf-8"?>
-<p:sld xmlns:a="http://schemas.openxmlformats.org/drawingml/2006/main" xmlns:r="http://schemas.openxmlformats.org/officeDocument/2006/relationships" xmlns:mc="http://schemas.openxmlformats.org/markup-compatibility/2006" xmlns:mv="urn:schemas-microsoft-com:mac:vml" xmlns:p="http://schemas.openxmlformats.org/presentationml/2006/main" mc:Ignorable="mv" mc:PreserveAttributes="mv:*">
+<p:sld xmlns:a="http://schemas.openxmlformats.org/drawingml/2006/main" xmlns:r="http://schemas.openxmlformats.org/officeDocument/2006/relationships" xmlns:p="http://schemas.openxmlformats.org/presentationml/2006/main">
   <p:cSld>
     <p:spTree>
       <p:nvGrpSpPr>
@@ -13165,7 +13151,7 @@
 </file>
 
 <file path=ppt/slides/slide23.xml><?xml version="1.0" encoding="utf-8"?>
-<p:sld xmlns:a="http://schemas.openxmlformats.org/drawingml/2006/main" xmlns:r="http://schemas.openxmlformats.org/officeDocument/2006/relationships" xmlns:mc="http://schemas.openxmlformats.org/markup-compatibility/2006" xmlns:mv="urn:schemas-microsoft-com:mac:vml" xmlns:p="http://schemas.openxmlformats.org/presentationml/2006/main" mc:Ignorable="mv" mc:PreserveAttributes="mv:*">
+<p:sld xmlns:a="http://schemas.openxmlformats.org/drawingml/2006/main" xmlns:r="http://schemas.openxmlformats.org/officeDocument/2006/relationships" xmlns:p="http://schemas.openxmlformats.org/presentationml/2006/main">
   <p:cSld>
     <p:spTree>
       <p:nvGrpSpPr>
@@ -13629,7 +13615,7 @@
 </file>
 
 <file path=ppt/slides/slide24.xml><?xml version="1.0" encoding="utf-8"?>
-<p:sld xmlns:a="http://schemas.openxmlformats.org/drawingml/2006/main" xmlns:r="http://schemas.openxmlformats.org/officeDocument/2006/relationships" xmlns:mc="http://schemas.openxmlformats.org/markup-compatibility/2006" xmlns:mv="urn:schemas-microsoft-com:mac:vml" xmlns:p="http://schemas.openxmlformats.org/presentationml/2006/main" mc:Ignorable="mv" mc:PreserveAttributes="mv:*">
+<p:sld xmlns:a="http://schemas.openxmlformats.org/drawingml/2006/main" xmlns:r="http://schemas.openxmlformats.org/officeDocument/2006/relationships" xmlns:p="http://schemas.openxmlformats.org/presentationml/2006/main">
   <p:cSld>
     <p:spTree>
       <p:nvGrpSpPr>
@@ -13824,7 +13810,7 @@
 </file>
 
 <file path=ppt/slides/slide3.xml><?xml version="1.0" encoding="utf-8"?>
-<p:sld xmlns:a="http://schemas.openxmlformats.org/drawingml/2006/main" xmlns:r="http://schemas.openxmlformats.org/officeDocument/2006/relationships" xmlns:mc="http://schemas.openxmlformats.org/markup-compatibility/2006" xmlns:mv="urn:schemas-microsoft-com:mac:vml" xmlns:p="http://schemas.openxmlformats.org/presentationml/2006/main" mc:Ignorable="mv" mc:PreserveAttributes="mv:*" showMasterPhAnim="0">
+<p:sld xmlns:a="http://schemas.openxmlformats.org/drawingml/2006/main" xmlns:r="http://schemas.openxmlformats.org/officeDocument/2006/relationships" xmlns:p="http://schemas.openxmlformats.org/presentationml/2006/main" showMasterPhAnim="0">
   <p:cSld>
     <p:spTree>
       <p:nvGrpSpPr>
@@ -14473,7 +14459,7 @@
 </file>
 
 <file path=ppt/slides/slide4.xml><?xml version="1.0" encoding="utf-8"?>
-<p:sld xmlns:a="http://schemas.openxmlformats.org/drawingml/2006/main" xmlns:r="http://schemas.openxmlformats.org/officeDocument/2006/relationships" xmlns:mc="http://schemas.openxmlformats.org/markup-compatibility/2006" xmlns:mv="urn:schemas-microsoft-com:mac:vml" xmlns:p="http://schemas.openxmlformats.org/presentationml/2006/main" mc:Ignorable="mv" mc:PreserveAttributes="mv:*" showMasterPhAnim="0">
+<p:sld xmlns:a="http://schemas.openxmlformats.org/drawingml/2006/main" xmlns:r="http://schemas.openxmlformats.org/officeDocument/2006/relationships" xmlns:p="http://schemas.openxmlformats.org/presentationml/2006/main" showMasterPhAnim="0">
   <p:cSld>
     <p:spTree>
       <p:nvGrpSpPr>
@@ -14584,32 +14570,48 @@
           <a:p>
             <a:pPr marL="304800" indent="-304800" eaLnBrk="1" hangingPunct="1"/>
             <a:r>
-              <a:rPr lang="en-US" smtClean="0"/>
+              <a:rPr lang="en-US" dirty="0" smtClean="0"/>
               <a:t>States ::= </a:t>
             </a:r>
           </a:p>
           <a:p>
             <a:pPr marL="304800" indent="-304800" eaLnBrk="1" hangingPunct="1"/>
             <a:r>
-              <a:rPr lang="en-US" smtClean="0"/>
-              <a:t>start ::=  (a,b)</a:t>
+              <a:rPr lang="en-US" dirty="0" smtClean="0"/>
+              <a:t>start ::=  (</a:t>
+            </a:r>
+            <a:r>
+              <a:rPr lang="en-US" dirty="0" err="1" smtClean="0"/>
+              <a:t>a,b</a:t>
+            </a:r>
+            <a:r>
+              <a:rPr lang="en-US" dirty="0" smtClean="0"/>
+              <a:t>)</a:t>
             </a:r>
           </a:p>
           <a:p>
             <a:pPr marL="304800" indent="-304800" eaLnBrk="1" hangingPunct="1"/>
             <a:r>
-              <a:rPr lang="en-US" smtClean="0"/>
+              <a:rPr lang="en-US" dirty="0" smtClean="0"/>
               <a:t>state transitions defined by</a:t>
             </a:r>
           </a:p>
           <a:p>
             <a:pPr marL="304800" indent="-304800" algn="ctr" eaLnBrk="1" hangingPunct="1"/>
             <a:r>
-              <a:rPr lang="en-US" smtClean="0"/>
-              <a:t> (x,y) </a:t>
-            </a:r>
-            <a:r>
-              <a:rPr lang="en-US" sz="3600" b="1" smtClean="0">
+              <a:rPr lang="en-US" dirty="0" smtClean="0"/>
+              <a:t> (</a:t>
+            </a:r>
+            <a:r>
+              <a:rPr lang="en-US" dirty="0" err="1" smtClean="0"/>
+              <a:t>x,y</a:t>
+            </a:r>
+            <a:r>
+              <a:rPr lang="en-US" dirty="0" smtClean="0"/>
+              <a:t>) </a:t>
+            </a:r>
+            <a:r>
+              <a:rPr lang="en-US" sz="3600" b="1" dirty="0" smtClean="0">
                 <a:latin typeface="Euclid Symbol" pitchFamily="-107" charset="2"/>
                 <a:ea typeface="Lucida Grande" pitchFamily="-107" charset="0"/>
                 <a:cs typeface="Lucida Grande" pitchFamily="-107" charset="0"/>
@@ -14618,8 +14620,24 @@
               <a:t>→</a:t>
             </a:r>
             <a:r>
-              <a:rPr lang="en-US" smtClean="0"/>
-              <a:t> (y, rem(x,y))   for  y ≠ 0</a:t>
+              <a:rPr lang="en-US" dirty="0" smtClean="0"/>
+              <a:t> (y, </a:t>
+            </a:r>
+            <a:r>
+              <a:rPr lang="en-US" dirty="0" err="1" smtClean="0"/>
+              <a:t>rem</a:t>
+            </a:r>
+            <a:r>
+              <a:rPr lang="en-US" dirty="0" smtClean="0"/>
+              <a:t>(</a:t>
+            </a:r>
+            <a:r>
+              <a:rPr lang="en-US" dirty="0" err="1" smtClean="0"/>
+              <a:t>x,y</a:t>
+            </a:r>
+            <a:r>
+              <a:rPr lang="en-US" dirty="0" smtClean="0"/>
+              <a:t>))   for  y ≠ 0</a:t>
             </a:r>
           </a:p>
         </p:txBody>
@@ -14934,7 +14952,7 @@
 </file>
 
 <file path=ppt/slides/slide5.xml><?xml version="1.0" encoding="utf-8"?>
-<p:sld xmlns:a="http://schemas.openxmlformats.org/drawingml/2006/main" xmlns:r="http://schemas.openxmlformats.org/officeDocument/2006/relationships" xmlns:mc="http://schemas.openxmlformats.org/markup-compatibility/2006" xmlns:mv="urn:schemas-microsoft-com:mac:vml" xmlns:p="http://schemas.openxmlformats.org/presentationml/2006/main" mc:Ignorable="mv" mc:PreserveAttributes="mv:*">
+<p:sld xmlns:a="http://schemas.openxmlformats.org/drawingml/2006/main" xmlns:r="http://schemas.openxmlformats.org/officeDocument/2006/relationships" xmlns:p="http://schemas.openxmlformats.org/presentationml/2006/main">
   <p:cSld>
     <p:spTree>
       <p:nvGrpSpPr>
@@ -15329,7 +15347,7 @@
 </file>
 
 <file path=ppt/slides/slide6.xml><?xml version="1.0" encoding="utf-8"?>
-<p:sld xmlns:a="http://schemas.openxmlformats.org/drawingml/2006/main" xmlns:r="http://schemas.openxmlformats.org/officeDocument/2006/relationships" xmlns:mc="http://schemas.openxmlformats.org/markup-compatibility/2006" xmlns:mv="urn:schemas-microsoft-com:mac:vml" xmlns:p="http://schemas.openxmlformats.org/presentationml/2006/main" mc:Ignorable="mv" mc:PreserveAttributes="mv:*">
+<p:sld xmlns:a="http://schemas.openxmlformats.org/drawingml/2006/main" xmlns:r="http://schemas.openxmlformats.org/officeDocument/2006/relationships" xmlns:p="http://schemas.openxmlformats.org/presentationml/2006/main">
   <p:cSld>
     <p:spTree>
       <p:nvGrpSpPr>
@@ -16100,7 +16118,7 @@
 </file>
 
 <file path=ppt/slides/slide7.xml><?xml version="1.0" encoding="utf-8"?>
-<p:sld xmlns:a="http://schemas.openxmlformats.org/drawingml/2006/main" xmlns:r="http://schemas.openxmlformats.org/officeDocument/2006/relationships" xmlns:mc="http://schemas.openxmlformats.org/markup-compatibility/2006" xmlns:mv="urn:schemas-microsoft-com:mac:vml" xmlns:p="http://schemas.openxmlformats.org/presentationml/2006/main" mc:Ignorable="mv" mc:PreserveAttributes="mv:*">
+<p:sld xmlns:a="http://schemas.openxmlformats.org/drawingml/2006/main" xmlns:r="http://schemas.openxmlformats.org/officeDocument/2006/relationships" xmlns:p="http://schemas.openxmlformats.org/presentationml/2006/main">
   <p:cSld>
     <p:spTree>
       <p:nvGrpSpPr>
@@ -16624,7 +16642,7 @@
 </file>
 
 <file path=ppt/slides/slide8.xml><?xml version="1.0" encoding="utf-8"?>
-<p:sld xmlns:a="http://schemas.openxmlformats.org/drawingml/2006/main" xmlns:r="http://schemas.openxmlformats.org/officeDocument/2006/relationships" xmlns:mc="http://schemas.openxmlformats.org/markup-compatibility/2006" xmlns:mv="urn:schemas-microsoft-com:mac:vml" xmlns:p="http://schemas.openxmlformats.org/presentationml/2006/main" mc:Ignorable="mv" mc:PreserveAttributes="mv:*">
+<p:sld xmlns:a="http://schemas.openxmlformats.org/drawingml/2006/main" xmlns:r="http://schemas.openxmlformats.org/officeDocument/2006/relationships" xmlns:p="http://schemas.openxmlformats.org/presentationml/2006/main">
   <p:cSld>
     <p:spTree>
       <p:nvGrpSpPr>
@@ -17498,7 +17516,7 @@
 </file>
 
 <file path=ppt/slides/slide9.xml><?xml version="1.0" encoding="utf-8"?>
-<p:sld xmlns:a="http://schemas.openxmlformats.org/drawingml/2006/main" xmlns:r="http://schemas.openxmlformats.org/officeDocument/2006/relationships" xmlns:mc="http://schemas.openxmlformats.org/markup-compatibility/2006" xmlns:mv="urn:schemas-microsoft-com:mac:vml" xmlns:p="http://schemas.openxmlformats.org/presentationml/2006/main" mc:Ignorable="mv" mc:PreserveAttributes="mv:*" showMasterPhAnim="0">
+<p:sld xmlns:a="http://schemas.openxmlformats.org/drawingml/2006/main" xmlns:r="http://schemas.openxmlformats.org/officeDocument/2006/relationships" xmlns:p="http://schemas.openxmlformats.org/presentationml/2006/main" showMasterPhAnim="0">
   <p:cSld>
     <p:spTree>
       <p:nvGrpSpPr>
@@ -17688,7 +17706,7 @@
         </p:xfrm>
         <a:graphic>
           <a:graphicData uri="http://schemas.openxmlformats.org/presentationml/2006/ole">
-            <p:oleObj spid="_x0000_s22530" name="Equation" r:id="rId4" imgW="419100" imgH="215900" progId="Equation.DSMT4">
+            <p:oleObj spid="_x0000_s22530" name="Equation" r:id="rId4" imgW="419100" imgH="215900" progId="">
               <p:embed/>
             </p:oleObj>
           </a:graphicData>

--- a/restricted/slides5f.pptx
+++ b/restricted/slides5f.pptx
@@ -1,14 +1,14 @@
 
 <file path=ppt/presentation.xml><?xml version="1.0" encoding="utf-8"?>
-<p:presentation xmlns:a="http://schemas.openxmlformats.org/drawingml/2006/main" xmlns:r="http://schemas.openxmlformats.org/officeDocument/2006/relationships" xmlns:p="http://schemas.openxmlformats.org/presentationml/2006/main" strictFirstAndLastChars="0" saveSubsetFonts="1" autoCompressPictures="0">
+<p:presentation xmlns:a="http://schemas.openxmlformats.org/drawingml/2006/main" xmlns:r="http://schemas.openxmlformats.org/officeDocument/2006/relationships" xmlns:mc="http://schemas.openxmlformats.org/markup-compatibility/2006" xmlns:mv="urn:schemas-microsoft-com:mac:vml" xmlns:p="http://schemas.openxmlformats.org/presentationml/2006/main" mc:Ignorable="mv" mc:PreserveAttributes="mv:*" strictFirstAndLastChars="0" saveSubsetFonts="1" autoCompressPictures="0">
   <p:sldMasterIdLst>
     <p:sldMasterId id="2147483648" r:id="rId1"/>
   </p:sldMasterIdLst>
   <p:notesMasterIdLst>
-    <p:notesMasterId r:id="rId26"/>
+    <p:notesMasterId r:id="rId27"/>
   </p:notesMasterIdLst>
   <p:handoutMasterIdLst>
-    <p:handoutMasterId r:id="rId27"/>
+    <p:handoutMasterId r:id="rId28"/>
   </p:handoutMasterIdLst>
   <p:sldIdLst>
     <p:sldId id="318" r:id="rId2"/>
@@ -33,8 +33,9 @@
     <p:sldId id="309" r:id="rId21"/>
     <p:sldId id="310" r:id="rId22"/>
     <p:sldId id="311" r:id="rId23"/>
-    <p:sldId id="315" r:id="rId24"/>
-    <p:sldId id="295" r:id="rId25"/>
+    <p:sldId id="319" r:id="rId24"/>
+    <p:sldId id="315" r:id="rId25"/>
+    <p:sldId id="295" r:id="rId26"/>
   </p:sldIdLst>
   <p:sldSz cx="9144000" cy="6858000" type="screen4x3"/>
   <p:notesSz cx="6858000" cy="9144000"/>
@@ -176,7 +177,7 @@
 </file>
 
 <file path=ppt/handoutMasters/handoutMaster1.xml><?xml version="1.0" encoding="utf-8"?>
-<p:handoutMaster xmlns:a="http://schemas.openxmlformats.org/drawingml/2006/main" xmlns:r="http://schemas.openxmlformats.org/officeDocument/2006/relationships" xmlns:p="http://schemas.openxmlformats.org/presentationml/2006/main">
+<p:handoutMaster xmlns:a="http://schemas.openxmlformats.org/drawingml/2006/main" xmlns:r="http://schemas.openxmlformats.org/officeDocument/2006/relationships" xmlns:mc="http://schemas.openxmlformats.org/markup-compatibility/2006" xmlns:mv="urn:schemas-microsoft-com:mac:vml" xmlns:p="http://schemas.openxmlformats.org/presentationml/2006/main" mc:Ignorable="mv" mc:PreserveAttributes="mv:*">
   <p:cSld>
     <p:bg>
       <p:bgRef idx="1001">
@@ -276,7 +277,7 @@
               <a:pPr>
                 <a:defRPr/>
               </a:pPr>
-              <a:t>2/28/2010</a:t>
+              <a:t>2/28/10</a:t>
             </a:fld>
             <a:endParaRPr lang="en-US"/>
           </a:p>
@@ -374,7 +375,7 @@
 </file>
 
 <file path=ppt/notesMasters/notesMaster1.xml><?xml version="1.0" encoding="utf-8"?>
-<p:notesMaster xmlns:a="http://schemas.openxmlformats.org/drawingml/2006/main" xmlns:r="http://schemas.openxmlformats.org/officeDocument/2006/relationships" xmlns:p="http://schemas.openxmlformats.org/presentationml/2006/main">
+<p:notesMaster xmlns:a="http://schemas.openxmlformats.org/drawingml/2006/main" xmlns:r="http://schemas.openxmlformats.org/officeDocument/2006/relationships" xmlns:mc="http://schemas.openxmlformats.org/markup-compatibility/2006" xmlns:mv="urn:schemas-microsoft-com:mac:vml" xmlns:p="http://schemas.openxmlformats.org/presentationml/2006/main" mc:Ignorable="mv" mc:PreserveAttributes="mv:*">
   <p:cSld>
     <p:bg>
       <p:bgRef idx="1001">
@@ -474,7 +475,7 @@
               <a:pPr>
                 <a:defRPr/>
               </a:pPr>
-              <a:t>2/28/2010</a:t>
+              <a:t>2/28/10</a:t>
             </a:fld>
             <a:endParaRPr lang="en-US"/>
           </a:p>
@@ -789,7 +790,7 @@
 </file>
 
 <file path=ppt/notesSlides/notesSlide1.xml><?xml version="1.0" encoding="utf-8"?>
-<p:notes xmlns:a="http://schemas.openxmlformats.org/drawingml/2006/main" xmlns:r="http://schemas.openxmlformats.org/officeDocument/2006/relationships" xmlns:p="http://schemas.openxmlformats.org/presentationml/2006/main">
+<p:notes xmlns:a="http://schemas.openxmlformats.org/drawingml/2006/main" xmlns:r="http://schemas.openxmlformats.org/officeDocument/2006/relationships" xmlns:mc="http://schemas.openxmlformats.org/markup-compatibility/2006" xmlns:mv="urn:schemas-microsoft-com:mac:vml" xmlns:p="http://schemas.openxmlformats.org/presentationml/2006/main" mc:Ignorable="mv" mc:PreserveAttributes="mv:*">
   <p:cSld>
     <p:spTree>
       <p:nvGrpSpPr>
@@ -910,7 +911,7 @@
 </file>
 
 <file path=ppt/notesSlides/notesSlide10.xml><?xml version="1.0" encoding="utf-8"?>
-<p:notes xmlns:a="http://schemas.openxmlformats.org/drawingml/2006/main" xmlns:r="http://schemas.openxmlformats.org/officeDocument/2006/relationships" xmlns:p="http://schemas.openxmlformats.org/presentationml/2006/main">
+<p:notes xmlns:a="http://schemas.openxmlformats.org/drawingml/2006/main" xmlns:r="http://schemas.openxmlformats.org/officeDocument/2006/relationships" xmlns:mc="http://schemas.openxmlformats.org/markup-compatibility/2006" xmlns:mv="urn:schemas-microsoft-com:mac:vml" xmlns:p="http://schemas.openxmlformats.org/presentationml/2006/main" mc:Ignorable="mv" mc:PreserveAttributes="mv:*">
   <p:cSld>
     <p:spTree>
       <p:nvGrpSpPr>
@@ -1031,7 +1032,7 @@
 </file>
 
 <file path=ppt/notesSlides/notesSlide11.xml><?xml version="1.0" encoding="utf-8"?>
-<p:notes xmlns:a="http://schemas.openxmlformats.org/drawingml/2006/main" xmlns:r="http://schemas.openxmlformats.org/officeDocument/2006/relationships" xmlns:p="http://schemas.openxmlformats.org/presentationml/2006/main">
+<p:notes xmlns:a="http://schemas.openxmlformats.org/drawingml/2006/main" xmlns:r="http://schemas.openxmlformats.org/officeDocument/2006/relationships" xmlns:mc="http://schemas.openxmlformats.org/markup-compatibility/2006" xmlns:mv="urn:schemas-microsoft-com:mac:vml" xmlns:p="http://schemas.openxmlformats.org/presentationml/2006/main" mc:Ignorable="mv" mc:PreserveAttributes="mv:*">
   <p:cSld>
     <p:spTree>
       <p:nvGrpSpPr>
@@ -1152,7 +1153,7 @@
 </file>
 
 <file path=ppt/notesSlides/notesSlide12.xml><?xml version="1.0" encoding="utf-8"?>
-<p:notes xmlns:a="http://schemas.openxmlformats.org/drawingml/2006/main" xmlns:r="http://schemas.openxmlformats.org/officeDocument/2006/relationships" xmlns:p="http://schemas.openxmlformats.org/presentationml/2006/main">
+<p:notes xmlns:a="http://schemas.openxmlformats.org/drawingml/2006/main" xmlns:r="http://schemas.openxmlformats.org/officeDocument/2006/relationships" xmlns:mc="http://schemas.openxmlformats.org/markup-compatibility/2006" xmlns:mv="urn:schemas-microsoft-com:mac:vml" xmlns:p="http://schemas.openxmlformats.org/presentationml/2006/main" mc:Ignorable="mv" mc:PreserveAttributes="mv:*">
   <p:cSld>
     <p:spTree>
       <p:nvGrpSpPr>
@@ -1273,7 +1274,7 @@
 </file>
 
 <file path=ppt/notesSlides/notesSlide13.xml><?xml version="1.0" encoding="utf-8"?>
-<p:notes xmlns:a="http://schemas.openxmlformats.org/drawingml/2006/main" xmlns:r="http://schemas.openxmlformats.org/officeDocument/2006/relationships" xmlns:p="http://schemas.openxmlformats.org/presentationml/2006/main">
+<p:notes xmlns:a="http://schemas.openxmlformats.org/drawingml/2006/main" xmlns:r="http://schemas.openxmlformats.org/officeDocument/2006/relationships" xmlns:mc="http://schemas.openxmlformats.org/markup-compatibility/2006" xmlns:mv="urn:schemas-microsoft-com:mac:vml" xmlns:p="http://schemas.openxmlformats.org/presentationml/2006/main" mc:Ignorable="mv" mc:PreserveAttributes="mv:*">
   <p:cSld>
     <p:spTree>
       <p:nvGrpSpPr>
@@ -1393,8 +1394,129 @@
 </p:notes>
 </file>
 
+<file path=ppt/notesSlides/notesSlide14.xml><?xml version="1.0" encoding="utf-8"?>
+<p:notes xmlns:a="http://schemas.openxmlformats.org/drawingml/2006/main" xmlns:r="http://schemas.openxmlformats.org/officeDocument/2006/relationships" xmlns:mc="http://schemas.openxmlformats.org/markup-compatibility/2006" xmlns:mv="urn:schemas-microsoft-com:mac:vml" xmlns:p="http://schemas.openxmlformats.org/presentationml/2006/main" mc:Ignorable="mv" mc:PreserveAttributes="mv:*">
+  <p:cSld>
+    <p:spTree>
+      <p:nvGrpSpPr>
+        <p:cNvPr id="1" name=""/>
+        <p:cNvGrpSpPr/>
+        <p:nvPr/>
+      </p:nvGrpSpPr>
+      <p:grpSpPr>
+        <a:xfrm>
+          <a:off x="0" y="0"/>
+          <a:ext cx="0" cy="0"/>
+          <a:chOff x="0" y="0"/>
+          <a:chExt cx="0" cy="0"/>
+        </a:xfrm>
+      </p:grpSpPr>
+      <p:sp>
+        <p:nvSpPr>
+          <p:cNvPr id="48130" name="Rectangle 7"/>
+          <p:cNvSpPr>
+            <a:spLocks noGrp="1" noChangeArrowheads="1"/>
+          </p:cNvSpPr>
+          <p:nvPr>
+            <p:ph type="sldNum" sz="quarter" idx="5"/>
+          </p:nvPr>
+        </p:nvSpPr>
+        <p:spPr bwMode="auto">
+          <a:noFill/>
+          <a:ln>
+            <a:miter lim="800000"/>
+            <a:headEnd/>
+            <a:tailEnd/>
+          </a:ln>
+        </p:spPr>
+        <p:txBody>
+          <a:bodyPr wrap="square" numCol="1" anchorCtr="0" compatLnSpc="1">
+            <a:prstTxWarp prst="textNoShape">
+              <a:avLst/>
+            </a:prstTxWarp>
+          </a:bodyPr>
+          <a:lstStyle/>
+          <a:p>
+            <a:fld id="{845D80FD-EBB4-4247-A2B2-8A58FC1E6C05}" type="slidenum">
+              <a:rPr lang="en-US" smtClean="0">
+                <a:latin typeface="Gill Sans" pitchFamily="-107" charset="0"/>
+                <a:ea typeface="ヒラギノ角ゴ ProN W3" pitchFamily="-107" charset="-128"/>
+                <a:cs typeface="ヒラギノ角ゴ ProN W3" pitchFamily="-107" charset="-128"/>
+                <a:sym typeface="Gill Sans" pitchFamily="-107" charset="0"/>
+              </a:rPr>
+              <a:pPr/>
+              <a:t>23</a:t>
+            </a:fld>
+            <a:endParaRPr lang="en-US" smtClean="0">
+              <a:latin typeface="Gill Sans" pitchFamily="-107" charset="0"/>
+              <a:ea typeface="ヒラギノ角ゴ ProN W3" pitchFamily="-107" charset="-128"/>
+              <a:cs typeface="ヒラギノ角ゴ ProN W3" pitchFamily="-107" charset="-128"/>
+              <a:sym typeface="Gill Sans" pitchFamily="-107" charset="0"/>
+            </a:endParaRPr>
+          </a:p>
+        </p:txBody>
+      </p:sp>
+      <p:sp>
+        <p:nvSpPr>
+          <p:cNvPr id="48131" name="Rectangle 2"/>
+          <p:cNvSpPr>
+            <a:spLocks noGrp="1" noRot="1" noChangeAspect="1" noChangeArrowheads="1" noTextEdit="1"/>
+          </p:cNvSpPr>
+          <p:nvPr>
+            <p:ph type="sldImg"/>
+          </p:nvPr>
+        </p:nvSpPr>
+        <p:spPr bwMode="auto">
+          <a:noFill/>
+          <a:ln>
+            <a:solidFill>
+              <a:srgbClr val="000000"/>
+            </a:solidFill>
+            <a:miter lim="800000"/>
+            <a:headEnd/>
+            <a:tailEnd/>
+          </a:ln>
+        </p:spPr>
+      </p:sp>
+      <p:sp>
+        <p:nvSpPr>
+          <p:cNvPr id="48132" name="Rectangle 3"/>
+          <p:cNvSpPr>
+            <a:spLocks noGrp="1" noChangeArrowheads="1"/>
+          </p:cNvSpPr>
+          <p:nvPr>
+            <p:ph type="body" idx="1"/>
+          </p:nvPr>
+        </p:nvSpPr>
+        <p:spPr bwMode="auto">
+          <a:noFill/>
+        </p:spPr>
+        <p:txBody>
+          <a:bodyPr wrap="square" numCol="1" anchor="t" anchorCtr="0" compatLnSpc="1">
+            <a:prstTxWarp prst="textNoShape">
+              <a:avLst/>
+            </a:prstTxWarp>
+          </a:bodyPr>
+          <a:lstStyle/>
+          <a:p>
+            <a:pPr eaLnBrk="1" hangingPunct="1"/>
+            <a:endParaRPr lang="en-US" smtClean="0">
+              <a:ea typeface="ＭＳ Ｐゴシック" pitchFamily="-107" charset="-128"/>
+              <a:cs typeface="ＭＳ Ｐゴシック" pitchFamily="-107" charset="-128"/>
+            </a:endParaRPr>
+          </a:p>
+        </p:txBody>
+      </p:sp>
+    </p:spTree>
+  </p:cSld>
+  <p:clrMapOvr>
+    <a:masterClrMapping/>
+  </p:clrMapOvr>
+</p:notes>
+</file>
+
 <file path=ppt/notesSlides/notesSlide2.xml><?xml version="1.0" encoding="utf-8"?>
-<p:notes xmlns:a="http://schemas.openxmlformats.org/drawingml/2006/main" xmlns:r="http://schemas.openxmlformats.org/officeDocument/2006/relationships" xmlns:p="http://schemas.openxmlformats.org/presentationml/2006/main">
+<p:notes xmlns:a="http://schemas.openxmlformats.org/drawingml/2006/main" xmlns:r="http://schemas.openxmlformats.org/officeDocument/2006/relationships" xmlns:mc="http://schemas.openxmlformats.org/markup-compatibility/2006" xmlns:mv="urn:schemas-microsoft-com:mac:vml" xmlns:p="http://schemas.openxmlformats.org/presentationml/2006/main" mc:Ignorable="mv" mc:PreserveAttributes="mv:*">
   <p:cSld>
     <p:spTree>
       <p:nvGrpSpPr>
@@ -1515,7 +1637,7 @@
 </file>
 
 <file path=ppt/notesSlides/notesSlide3.xml><?xml version="1.0" encoding="utf-8"?>
-<p:notes xmlns:a="http://schemas.openxmlformats.org/drawingml/2006/main" xmlns:r="http://schemas.openxmlformats.org/officeDocument/2006/relationships" xmlns:p="http://schemas.openxmlformats.org/presentationml/2006/main">
+<p:notes xmlns:a="http://schemas.openxmlformats.org/drawingml/2006/main" xmlns:r="http://schemas.openxmlformats.org/officeDocument/2006/relationships" xmlns:mc="http://schemas.openxmlformats.org/markup-compatibility/2006" xmlns:mv="urn:schemas-microsoft-com:mac:vml" xmlns:p="http://schemas.openxmlformats.org/presentationml/2006/main" mc:Ignorable="mv" mc:PreserveAttributes="mv:*">
   <p:cSld>
     <p:spTree>
       <p:nvGrpSpPr>
@@ -1636,7 +1758,7 @@
 </file>
 
 <file path=ppt/notesSlides/notesSlide4.xml><?xml version="1.0" encoding="utf-8"?>
-<p:notes xmlns:a="http://schemas.openxmlformats.org/drawingml/2006/main" xmlns:r="http://schemas.openxmlformats.org/officeDocument/2006/relationships" xmlns:p="http://schemas.openxmlformats.org/presentationml/2006/main">
+<p:notes xmlns:a="http://schemas.openxmlformats.org/drawingml/2006/main" xmlns:r="http://schemas.openxmlformats.org/officeDocument/2006/relationships" xmlns:mc="http://schemas.openxmlformats.org/markup-compatibility/2006" xmlns:mv="urn:schemas-microsoft-com:mac:vml" xmlns:p="http://schemas.openxmlformats.org/presentationml/2006/main" mc:Ignorable="mv" mc:PreserveAttributes="mv:*">
   <p:cSld>
     <p:spTree>
       <p:nvGrpSpPr>
@@ -1757,7 +1879,7 @@
 </file>
 
 <file path=ppt/notesSlides/notesSlide5.xml><?xml version="1.0" encoding="utf-8"?>
-<p:notes xmlns:a="http://schemas.openxmlformats.org/drawingml/2006/main" xmlns:r="http://schemas.openxmlformats.org/officeDocument/2006/relationships" xmlns:p="http://schemas.openxmlformats.org/presentationml/2006/main">
+<p:notes xmlns:a="http://schemas.openxmlformats.org/drawingml/2006/main" xmlns:r="http://schemas.openxmlformats.org/officeDocument/2006/relationships" xmlns:mc="http://schemas.openxmlformats.org/markup-compatibility/2006" xmlns:mv="urn:schemas-microsoft-com:mac:vml" xmlns:p="http://schemas.openxmlformats.org/presentationml/2006/main" mc:Ignorable="mv" mc:PreserveAttributes="mv:*">
   <p:cSld>
     <p:spTree>
       <p:nvGrpSpPr>
@@ -1878,7 +2000,7 @@
 </file>
 
 <file path=ppt/notesSlides/notesSlide6.xml><?xml version="1.0" encoding="utf-8"?>
-<p:notes xmlns:a="http://schemas.openxmlformats.org/drawingml/2006/main" xmlns:r="http://schemas.openxmlformats.org/officeDocument/2006/relationships" xmlns:p="http://schemas.openxmlformats.org/presentationml/2006/main">
+<p:notes xmlns:a="http://schemas.openxmlformats.org/drawingml/2006/main" xmlns:r="http://schemas.openxmlformats.org/officeDocument/2006/relationships" xmlns:mc="http://schemas.openxmlformats.org/markup-compatibility/2006" xmlns:mv="urn:schemas-microsoft-com:mac:vml" xmlns:p="http://schemas.openxmlformats.org/presentationml/2006/main" mc:Ignorable="mv" mc:PreserveAttributes="mv:*">
   <p:cSld>
     <p:spTree>
       <p:nvGrpSpPr>
@@ -1999,7 +2121,7 @@
 </file>
 
 <file path=ppt/notesSlides/notesSlide7.xml><?xml version="1.0" encoding="utf-8"?>
-<p:notes xmlns:a="http://schemas.openxmlformats.org/drawingml/2006/main" xmlns:r="http://schemas.openxmlformats.org/officeDocument/2006/relationships" xmlns:p="http://schemas.openxmlformats.org/presentationml/2006/main">
+<p:notes xmlns:a="http://schemas.openxmlformats.org/drawingml/2006/main" xmlns:r="http://schemas.openxmlformats.org/officeDocument/2006/relationships" xmlns:mc="http://schemas.openxmlformats.org/markup-compatibility/2006" xmlns:mv="urn:schemas-microsoft-com:mac:vml" xmlns:p="http://schemas.openxmlformats.org/presentationml/2006/main" mc:Ignorable="mv" mc:PreserveAttributes="mv:*">
   <p:cSld>
     <p:spTree>
       <p:nvGrpSpPr>
@@ -2120,7 +2242,7 @@
 </file>
 
 <file path=ppt/notesSlides/notesSlide8.xml><?xml version="1.0" encoding="utf-8"?>
-<p:notes xmlns:a="http://schemas.openxmlformats.org/drawingml/2006/main" xmlns:r="http://schemas.openxmlformats.org/officeDocument/2006/relationships" xmlns:p="http://schemas.openxmlformats.org/presentationml/2006/main">
+<p:notes xmlns:a="http://schemas.openxmlformats.org/drawingml/2006/main" xmlns:r="http://schemas.openxmlformats.org/officeDocument/2006/relationships" xmlns:mc="http://schemas.openxmlformats.org/markup-compatibility/2006" xmlns:mv="urn:schemas-microsoft-com:mac:vml" xmlns:p="http://schemas.openxmlformats.org/presentationml/2006/main" mc:Ignorable="mv" mc:PreserveAttributes="mv:*">
   <p:cSld>
     <p:spTree>
       <p:nvGrpSpPr>
@@ -2241,7 +2363,7 @@
 </file>
 
 <file path=ppt/notesSlides/notesSlide9.xml><?xml version="1.0" encoding="utf-8"?>
-<p:notes xmlns:a="http://schemas.openxmlformats.org/drawingml/2006/main" xmlns:r="http://schemas.openxmlformats.org/officeDocument/2006/relationships" xmlns:p="http://schemas.openxmlformats.org/presentationml/2006/main">
+<p:notes xmlns:a="http://schemas.openxmlformats.org/drawingml/2006/main" xmlns:r="http://schemas.openxmlformats.org/officeDocument/2006/relationships" xmlns:mc="http://schemas.openxmlformats.org/markup-compatibility/2006" xmlns:mv="urn:schemas-microsoft-com:mac:vml" xmlns:p="http://schemas.openxmlformats.org/presentationml/2006/main" mc:Ignorable="mv" mc:PreserveAttributes="mv:*">
   <p:cSld>
     <p:spTree>
       <p:nvGrpSpPr>
@@ -2362,7 +2484,7 @@
 </file>
 
 <file path=ppt/slideLayouts/slideLayout1.xml><?xml version="1.0" encoding="utf-8"?>
-<p:sldLayout xmlns:a="http://schemas.openxmlformats.org/drawingml/2006/main" xmlns:r="http://schemas.openxmlformats.org/officeDocument/2006/relationships" xmlns:p="http://schemas.openxmlformats.org/presentationml/2006/main" type="title" preserve="1">
+<p:sldLayout xmlns:a="http://schemas.openxmlformats.org/drawingml/2006/main" xmlns:r="http://schemas.openxmlformats.org/officeDocument/2006/relationships" xmlns:mc="http://schemas.openxmlformats.org/markup-compatibility/2006" xmlns:mv="urn:schemas-microsoft-com:mac:vml" xmlns:p="http://schemas.openxmlformats.org/presentationml/2006/main" mc:Ignorable="mv" mc:PreserveAttributes="mv:*" type="title" preserve="1">
   <p:cSld name="Title Slide">
     <p:spTree>
       <p:nvGrpSpPr>
@@ -2521,7 +2643,7 @@
 </file>
 
 <file path=ppt/slideLayouts/slideLayout2.xml><?xml version="1.0" encoding="utf-8"?>
-<p:sldLayout xmlns:a="http://schemas.openxmlformats.org/drawingml/2006/main" xmlns:r="http://schemas.openxmlformats.org/officeDocument/2006/relationships" xmlns:p="http://schemas.openxmlformats.org/presentationml/2006/main" type="obj" preserve="1">
+<p:sldLayout xmlns:a="http://schemas.openxmlformats.org/drawingml/2006/main" xmlns:r="http://schemas.openxmlformats.org/officeDocument/2006/relationships" xmlns:mc="http://schemas.openxmlformats.org/markup-compatibility/2006" xmlns:mv="urn:schemas-microsoft-com:mac:vml" xmlns:p="http://schemas.openxmlformats.org/presentationml/2006/main" mc:Ignorable="mv" mc:PreserveAttributes="mv:*" type="obj" preserve="1">
   <p:cSld name="Title and Content">
     <p:spTree>
       <p:nvGrpSpPr>
@@ -2672,7 +2794,7 @@
 </file>
 
 <file path=ppt/slideLayouts/slideLayout3.xml><?xml version="1.0" encoding="utf-8"?>
-<p:sldLayout xmlns:a="http://schemas.openxmlformats.org/drawingml/2006/main" xmlns:r="http://schemas.openxmlformats.org/officeDocument/2006/relationships" xmlns:p="http://schemas.openxmlformats.org/presentationml/2006/main" type="secHead" preserve="1">
+<p:sldLayout xmlns:a="http://schemas.openxmlformats.org/drawingml/2006/main" xmlns:r="http://schemas.openxmlformats.org/officeDocument/2006/relationships" xmlns:mc="http://schemas.openxmlformats.org/markup-compatibility/2006" xmlns:mv="urn:schemas-microsoft-com:mac:vml" xmlns:p="http://schemas.openxmlformats.org/presentationml/2006/main" mc:Ignorable="mv" mc:PreserveAttributes="mv:*" type="secHead" preserve="1">
   <p:cSld name="Section Header">
     <p:spTree>
       <p:nvGrpSpPr>
@@ -2843,7 +2965,7 @@
 </file>
 
 <file path=ppt/slideLayouts/slideLayout4.xml><?xml version="1.0" encoding="utf-8"?>
-<p:sldLayout xmlns:a="http://schemas.openxmlformats.org/drawingml/2006/main" xmlns:r="http://schemas.openxmlformats.org/officeDocument/2006/relationships" xmlns:p="http://schemas.openxmlformats.org/presentationml/2006/main" type="twoObj" preserve="1">
+<p:sldLayout xmlns:a="http://schemas.openxmlformats.org/drawingml/2006/main" xmlns:r="http://schemas.openxmlformats.org/officeDocument/2006/relationships" xmlns:mc="http://schemas.openxmlformats.org/markup-compatibility/2006" xmlns:mv="urn:schemas-microsoft-com:mac:vml" xmlns:p="http://schemas.openxmlformats.org/presentationml/2006/main" mc:Ignorable="mv" mc:PreserveAttributes="mv:*" type="twoObj" preserve="1">
   <p:cSld name="Two Content">
     <p:spTree>
       <p:nvGrpSpPr>
@@ -3118,7 +3240,7 @@
 </file>
 
 <file path=ppt/slideLayouts/slideLayout5.xml><?xml version="1.0" encoding="utf-8"?>
-<p:sldLayout xmlns:a="http://schemas.openxmlformats.org/drawingml/2006/main" xmlns:r="http://schemas.openxmlformats.org/officeDocument/2006/relationships" xmlns:p="http://schemas.openxmlformats.org/presentationml/2006/main" type="twoTxTwoObj" preserve="1">
+<p:sldLayout xmlns:a="http://schemas.openxmlformats.org/drawingml/2006/main" xmlns:r="http://schemas.openxmlformats.org/officeDocument/2006/relationships" xmlns:mc="http://schemas.openxmlformats.org/markup-compatibility/2006" xmlns:mv="urn:schemas-microsoft-com:mac:vml" xmlns:p="http://schemas.openxmlformats.org/presentationml/2006/main" mc:Ignorable="mv" mc:PreserveAttributes="mv:*" type="twoTxTwoObj" preserve="1">
   <p:cSld name="Comparison">
     <p:spTree>
       <p:nvGrpSpPr>
@@ -3533,7 +3655,7 @@
 </file>
 
 <file path=ppt/slideLayouts/slideLayout6.xml><?xml version="1.0" encoding="utf-8"?>
-<p:sldLayout xmlns:a="http://schemas.openxmlformats.org/drawingml/2006/main" xmlns:r="http://schemas.openxmlformats.org/officeDocument/2006/relationships" xmlns:p="http://schemas.openxmlformats.org/presentationml/2006/main" type="titleOnly" preserve="1">
+<p:sldLayout xmlns:a="http://schemas.openxmlformats.org/drawingml/2006/main" xmlns:r="http://schemas.openxmlformats.org/officeDocument/2006/relationships" xmlns:mc="http://schemas.openxmlformats.org/markup-compatibility/2006" xmlns:mv="urn:schemas-microsoft-com:mac:vml" xmlns:p="http://schemas.openxmlformats.org/presentationml/2006/main" mc:Ignorable="mv" mc:PreserveAttributes="mv:*" type="titleOnly" preserve="1">
   <p:cSld name="Title Only">
     <p:spTree>
       <p:nvGrpSpPr>
@@ -3624,7 +3746,7 @@
 </file>
 
 <file path=ppt/slideLayouts/slideLayout7.xml><?xml version="1.0" encoding="utf-8"?>
-<p:sldLayout xmlns:a="http://schemas.openxmlformats.org/drawingml/2006/main" xmlns:r="http://schemas.openxmlformats.org/officeDocument/2006/relationships" xmlns:p="http://schemas.openxmlformats.org/presentationml/2006/main" type="blank" preserve="1">
+<p:sldLayout xmlns:a="http://schemas.openxmlformats.org/drawingml/2006/main" xmlns:r="http://schemas.openxmlformats.org/officeDocument/2006/relationships" xmlns:mc="http://schemas.openxmlformats.org/markup-compatibility/2006" xmlns:mv="urn:schemas-microsoft-com:mac:vml" xmlns:p="http://schemas.openxmlformats.org/presentationml/2006/main" mc:Ignorable="mv" mc:PreserveAttributes="mv:*" type="blank" preserve="1">
   <p:cSld name="Blank">
     <p:spTree>
       <p:nvGrpSpPr>
@@ -3684,7 +3806,7 @@
 </file>
 
 <file path=ppt/slideLayouts/slideLayout8.xml><?xml version="1.0" encoding="utf-8"?>
-<p:sldLayout xmlns:a="http://schemas.openxmlformats.org/drawingml/2006/main" xmlns:r="http://schemas.openxmlformats.org/officeDocument/2006/relationships" xmlns:p="http://schemas.openxmlformats.org/presentationml/2006/main" type="objTx" preserve="1">
+<p:sldLayout xmlns:a="http://schemas.openxmlformats.org/drawingml/2006/main" xmlns:r="http://schemas.openxmlformats.org/officeDocument/2006/relationships" xmlns:mc="http://schemas.openxmlformats.org/markup-compatibility/2006" xmlns:mv="urn:schemas-microsoft-com:mac:vml" xmlns:p="http://schemas.openxmlformats.org/presentationml/2006/main" mc:Ignorable="mv" mc:PreserveAttributes="mv:*" type="objTx" preserve="1">
   <p:cSld name="Content with Caption">
     <p:spTree>
       <p:nvGrpSpPr>
@@ -3943,7 +4065,7 @@
 </file>
 
 <file path=ppt/slideLayouts/slideLayout9.xml><?xml version="1.0" encoding="utf-8"?>
-<p:sldLayout xmlns:a="http://schemas.openxmlformats.org/drawingml/2006/main" xmlns:r="http://schemas.openxmlformats.org/officeDocument/2006/relationships" xmlns:p="http://schemas.openxmlformats.org/presentationml/2006/main" type="picTx" preserve="1">
+<p:sldLayout xmlns:a="http://schemas.openxmlformats.org/drawingml/2006/main" xmlns:r="http://schemas.openxmlformats.org/officeDocument/2006/relationships" xmlns:mc="http://schemas.openxmlformats.org/markup-compatibility/2006" xmlns:mv="urn:schemas-microsoft-com:mac:vml" xmlns:p="http://schemas.openxmlformats.org/presentationml/2006/main" mc:Ignorable="mv" mc:PreserveAttributes="mv:*" type="picTx" preserve="1">
   <p:cSld name="Picture with Caption">
     <p:spTree>
       <p:nvGrpSpPr>
@@ -4177,7 +4299,7 @@
 </file>
 
 <file path=ppt/slideMasters/slideMaster1.xml><?xml version="1.0" encoding="utf-8"?>
-<p:sldMaster xmlns:a="http://schemas.openxmlformats.org/drawingml/2006/main" xmlns:r="http://schemas.openxmlformats.org/officeDocument/2006/relationships" xmlns:p="http://schemas.openxmlformats.org/presentationml/2006/main">
+<p:sldMaster xmlns:a="http://schemas.openxmlformats.org/drawingml/2006/main" xmlns:r="http://schemas.openxmlformats.org/officeDocument/2006/relationships" xmlns:mc="http://schemas.openxmlformats.org/markup-compatibility/2006" xmlns:mv="urn:schemas-microsoft-com:mac:vml" xmlns:p="http://schemas.openxmlformats.org/presentationml/2006/main" mc:Ignorable="mv" mc:PreserveAttributes="mv:*">
   <p:cSld>
     <p:bg>
       <p:bgPr>
@@ -4903,7 +5025,7 @@
 </file>
 
 <file path=ppt/slides/slide1.xml><?xml version="1.0" encoding="utf-8"?>
-<p:sld xmlns:a="http://schemas.openxmlformats.org/drawingml/2006/main" xmlns:r="http://schemas.openxmlformats.org/officeDocument/2006/relationships" xmlns:p="http://schemas.openxmlformats.org/presentationml/2006/main">
+<p:sld xmlns:a="http://schemas.openxmlformats.org/drawingml/2006/main" xmlns:r="http://schemas.openxmlformats.org/officeDocument/2006/relationships" xmlns:mc="http://schemas.openxmlformats.org/markup-compatibility/2006" xmlns:mv="urn:schemas-microsoft-com:mac:vml" xmlns:p="http://schemas.openxmlformats.org/presentationml/2006/main" mc:Ignorable="mv" mc:PreserveAttributes="mv:*">
   <p:cSld>
     <p:spTree>
       <p:nvGrpSpPr>
@@ -5116,7 +5238,7 @@
 </file>
 
 <file path=ppt/slides/slide10.xml><?xml version="1.0" encoding="utf-8"?>
-<p:sld xmlns:a="http://schemas.openxmlformats.org/drawingml/2006/main" xmlns:r="http://schemas.openxmlformats.org/officeDocument/2006/relationships" xmlns:p="http://schemas.openxmlformats.org/presentationml/2006/main" showMasterPhAnim="0">
+<p:sld xmlns:a="http://schemas.openxmlformats.org/drawingml/2006/main" xmlns:r="http://schemas.openxmlformats.org/officeDocument/2006/relationships" xmlns:mc="http://schemas.openxmlformats.org/markup-compatibility/2006" xmlns:mv="urn:schemas-microsoft-com:mac:vml" xmlns:p="http://schemas.openxmlformats.org/presentationml/2006/main" mc:Ignorable="mv" mc:PreserveAttributes="mv:*" showMasterPhAnim="0">
   <p:cSld>
     <p:spTree>
       <p:nvGrpSpPr>
@@ -5231,15 +5353,7 @@
             </a:r>
             <a:r>
               <a:rPr lang="en-US" sz="4400" dirty="0" smtClean="0"/>
-              <a:t>, is a function </a:t>
-            </a:r>
-            <a:r>
-              <a:rPr lang="en-US" sz="4400" dirty="0" smtClean="0"/>
-              <a:t>assigning a </a:t>
-            </a:r>
-            <a:r>
-              <a:rPr lang="en-US" sz="4400" dirty="0" smtClean="0"/>
-              <a:t>“value” to each state:</a:t>
+              <a:t>, is a function assigning a “value” to each state:</a:t>
             </a:r>
           </a:p>
           <a:p>
@@ -5624,7 +5738,7 @@
 </file>
 
 <file path=ppt/slides/slide11.xml><?xml version="1.0" encoding="utf-8"?>
-<p:sld xmlns:a="http://schemas.openxmlformats.org/drawingml/2006/main" xmlns:r="http://schemas.openxmlformats.org/officeDocument/2006/relationships" xmlns:p="http://schemas.openxmlformats.org/presentationml/2006/main" showMasterPhAnim="0">
+<p:sld xmlns:a="http://schemas.openxmlformats.org/drawingml/2006/main" xmlns:r="http://schemas.openxmlformats.org/officeDocument/2006/relationships" xmlns:mc="http://schemas.openxmlformats.org/markup-compatibility/2006" xmlns:mv="urn:schemas-microsoft-com:mac:vml" xmlns:p="http://schemas.openxmlformats.org/presentationml/2006/main" mc:Ignorable="mv" mc:PreserveAttributes="mv:*" showMasterPhAnim="0">
   <p:cSld>
     <p:spTree>
       <p:nvGrpSpPr>
@@ -6145,7 +6259,7 @@
 </file>
 
 <file path=ppt/slides/slide12.xml><?xml version="1.0" encoding="utf-8"?>
-<p:sld xmlns:a="http://schemas.openxmlformats.org/drawingml/2006/main" xmlns:r="http://schemas.openxmlformats.org/officeDocument/2006/relationships" xmlns:p="http://schemas.openxmlformats.org/presentationml/2006/main" showMasterPhAnim="0">
+<p:sld xmlns:a="http://schemas.openxmlformats.org/drawingml/2006/main" xmlns:r="http://schemas.openxmlformats.org/officeDocument/2006/relationships" xmlns:mc="http://schemas.openxmlformats.org/markup-compatibility/2006" xmlns:mv="urn:schemas-microsoft-com:mac:vml" xmlns:p="http://schemas.openxmlformats.org/presentationml/2006/main" mc:Ignorable="mv" mc:PreserveAttributes="mv:*" showMasterPhAnim="0">
   <p:cSld>
     <p:spTree>
       <p:nvGrpSpPr>
@@ -6493,7 +6607,7 @@
 </file>
 
 <file path=ppt/slides/slide13.xml><?xml version="1.0" encoding="utf-8"?>
-<p:sld xmlns:a="http://schemas.openxmlformats.org/drawingml/2006/main" xmlns:r="http://schemas.openxmlformats.org/officeDocument/2006/relationships" xmlns:p="http://schemas.openxmlformats.org/presentationml/2006/main" showMasterPhAnim="0">
+<p:sld xmlns:a="http://schemas.openxmlformats.org/drawingml/2006/main" xmlns:r="http://schemas.openxmlformats.org/officeDocument/2006/relationships" xmlns:mc="http://schemas.openxmlformats.org/markup-compatibility/2006" xmlns:mv="urn:schemas-microsoft-com:mac:vml" xmlns:p="http://schemas.openxmlformats.org/presentationml/2006/main" mc:Ignorable="mv" mc:PreserveAttributes="mv:*" showMasterPhAnim="0">
   <p:cSld>
     <p:spTree>
       <p:nvGrpSpPr>
@@ -6798,7 +6912,7 @@
 </file>
 
 <file path=ppt/slides/slide14.xml><?xml version="1.0" encoding="utf-8"?>
-<p:sld xmlns:a="http://schemas.openxmlformats.org/drawingml/2006/main" xmlns:r="http://schemas.openxmlformats.org/officeDocument/2006/relationships" xmlns:p="http://schemas.openxmlformats.org/presentationml/2006/main">
+<p:sld xmlns:a="http://schemas.openxmlformats.org/drawingml/2006/main" xmlns:r="http://schemas.openxmlformats.org/officeDocument/2006/relationships" xmlns:mc="http://schemas.openxmlformats.org/markup-compatibility/2006" xmlns:mv="urn:schemas-microsoft-com:mac:vml" xmlns:p="http://schemas.openxmlformats.org/presentationml/2006/main" mc:Ignorable="mv" mc:PreserveAttributes="mv:*">
   <p:cSld>
     <p:spTree>
       <p:nvGrpSpPr>
@@ -7260,7 +7374,7 @@
 </file>
 
 <file path=ppt/slides/slide15.xml><?xml version="1.0" encoding="utf-8"?>
-<p:sld xmlns:a="http://schemas.openxmlformats.org/drawingml/2006/main" xmlns:r="http://schemas.openxmlformats.org/officeDocument/2006/relationships" xmlns:p="http://schemas.openxmlformats.org/presentationml/2006/main">
+<p:sld xmlns:a="http://schemas.openxmlformats.org/drawingml/2006/main" xmlns:r="http://schemas.openxmlformats.org/officeDocument/2006/relationships" xmlns:mc="http://schemas.openxmlformats.org/markup-compatibility/2006" xmlns:mv="urn:schemas-microsoft-com:mac:vml" xmlns:p="http://schemas.openxmlformats.org/presentationml/2006/main" mc:Ignorable="mv" mc:PreserveAttributes="mv:*">
   <p:cSld>
     <p:spTree>
       <p:nvGrpSpPr>
@@ -7572,7 +7686,7 @@
 </file>
 
 <file path=ppt/slides/slide16.xml><?xml version="1.0" encoding="utf-8"?>
-<p:sld xmlns:a="http://schemas.openxmlformats.org/drawingml/2006/main" xmlns:r="http://schemas.openxmlformats.org/officeDocument/2006/relationships" xmlns:p="http://schemas.openxmlformats.org/presentationml/2006/main">
+<p:sld xmlns:a="http://schemas.openxmlformats.org/drawingml/2006/main" xmlns:r="http://schemas.openxmlformats.org/officeDocument/2006/relationships" xmlns:mc="http://schemas.openxmlformats.org/markup-compatibility/2006" xmlns:mv="urn:schemas-microsoft-com:mac:vml" xmlns:p="http://schemas.openxmlformats.org/presentationml/2006/main" mc:Ignorable="mv" mc:PreserveAttributes="mv:*">
   <p:cSld>
     <p:spTree>
       <p:nvGrpSpPr>
@@ -8220,7 +8334,7 @@
         </p:xfrm>
         <a:graphic>
           <a:graphicData uri="http://schemas.openxmlformats.org/presentationml/2006/ole">
-            <p:oleObj spid="_x0000_s35842" name="Equation" r:id="rId4" imgW="7962840" imgH="596880" progId="">
+            <p:oleObj spid="_x0000_s35842" name="Equation" r:id="rId4" imgW="7962840" imgH="596880" progId="Equation.DSMT4">
               <p:embed/>
             </p:oleObj>
           </a:graphicData>
@@ -8911,7 +9025,7 @@
 </file>
 
 <file path=ppt/slides/slide17.xml><?xml version="1.0" encoding="utf-8"?>
-<p:sld xmlns:a="http://schemas.openxmlformats.org/drawingml/2006/main" xmlns:r="http://schemas.openxmlformats.org/officeDocument/2006/relationships" xmlns:p="http://schemas.openxmlformats.org/presentationml/2006/main">
+<p:sld xmlns:a="http://schemas.openxmlformats.org/drawingml/2006/main" xmlns:r="http://schemas.openxmlformats.org/officeDocument/2006/relationships" xmlns:mc="http://schemas.openxmlformats.org/markup-compatibility/2006" xmlns:mv="urn:schemas-microsoft-com:mac:vml" xmlns:p="http://schemas.openxmlformats.org/presentationml/2006/main" mc:Ignorable="mv" mc:PreserveAttributes="mv:*">
   <p:cSld>
     <p:spTree>
       <p:nvGrpSpPr>
@@ -10151,7 +10265,7 @@
         </p:xfrm>
         <a:graphic>
           <a:graphicData uri="http://schemas.openxmlformats.org/presentationml/2006/ole">
-            <p:oleObj spid="_x0000_s37890" name="Equation" r:id="rId4" imgW="7962840" imgH="596880" progId="">
+            <p:oleObj spid="_x0000_s37890" name="Equation" r:id="rId4" imgW="7962840" imgH="596880" progId="Equation.DSMT4">
               <p:embed/>
             </p:oleObj>
           </a:graphicData>
@@ -10252,7 +10366,7 @@
 </file>
 
 <file path=ppt/slides/slide18.xml><?xml version="1.0" encoding="utf-8"?>
-<p:sld xmlns:a="http://schemas.openxmlformats.org/drawingml/2006/main" xmlns:r="http://schemas.openxmlformats.org/officeDocument/2006/relationships" xmlns:p="http://schemas.openxmlformats.org/presentationml/2006/main">
+<p:sld xmlns:a="http://schemas.openxmlformats.org/drawingml/2006/main" xmlns:r="http://schemas.openxmlformats.org/officeDocument/2006/relationships" xmlns:mc="http://schemas.openxmlformats.org/markup-compatibility/2006" xmlns:mv="urn:schemas-microsoft-com:mac:vml" xmlns:p="http://schemas.openxmlformats.org/presentationml/2006/main" mc:Ignorable="mv" mc:PreserveAttributes="mv:*">
   <p:cSld>
     <p:spTree>
       <p:nvGrpSpPr>
@@ -10855,7 +10969,7 @@
 </file>
 
 <file path=ppt/slides/slide19.xml><?xml version="1.0" encoding="utf-8"?>
-<p:sld xmlns:a="http://schemas.openxmlformats.org/drawingml/2006/main" xmlns:r="http://schemas.openxmlformats.org/officeDocument/2006/relationships" xmlns:p="http://schemas.openxmlformats.org/presentationml/2006/main" show="0">
+<p:sld xmlns:a="http://schemas.openxmlformats.org/drawingml/2006/main" xmlns:r="http://schemas.openxmlformats.org/officeDocument/2006/relationships" xmlns:mc="http://schemas.openxmlformats.org/markup-compatibility/2006" xmlns:mv="urn:schemas-microsoft-com:mac:vml" xmlns:p="http://schemas.openxmlformats.org/presentationml/2006/main" mc:Ignorable="mv" mc:PreserveAttributes="mv:*" show="0">
   <p:cSld>
     <p:spTree>
       <p:nvGrpSpPr>
@@ -11025,7 +11139,7 @@
 </file>
 
 <file path=ppt/slides/slide2.xml><?xml version="1.0" encoding="utf-8"?>
-<p:sld xmlns:a="http://schemas.openxmlformats.org/drawingml/2006/main" xmlns:r="http://schemas.openxmlformats.org/officeDocument/2006/relationships" xmlns:p="http://schemas.openxmlformats.org/presentationml/2006/main" showMasterPhAnim="0">
+<p:sld xmlns:a="http://schemas.openxmlformats.org/drawingml/2006/main" xmlns:r="http://schemas.openxmlformats.org/officeDocument/2006/relationships" xmlns:mc="http://schemas.openxmlformats.org/markup-compatibility/2006" xmlns:mv="urn:schemas-microsoft-com:mac:vml" xmlns:p="http://schemas.openxmlformats.org/presentationml/2006/main" mc:Ignorable="mv" mc:PreserveAttributes="mv:*" showMasterPhAnim="0">
   <p:cSld>
     <p:spTree>
       <p:nvGrpSpPr>
@@ -11210,13 +11324,7 @@
               <a:rPr lang="en-US" sz="4400" dirty="0" smtClean="0">
                 <a:sym typeface="Comic Sans MS" pitchFamily="-112" charset="0"/>
               </a:rPr>
-              <a:t>:</a:t>
-            </a:r>
-            <a:r>
-              <a:rPr lang="en-US" sz="4400" dirty="0" smtClean="0">
-                <a:sym typeface="Comic Sans MS" pitchFamily="-112" charset="0"/>
-              </a:rPr>
-              <a:t>:= </a:t>
+              <a:t>::= </a:t>
             </a:r>
             <a:r>
               <a:rPr lang="en-US" sz="4400" dirty="0">
@@ -11786,7 +11894,7 @@
 </file>
 
 <file path=ppt/slides/slide20.xml><?xml version="1.0" encoding="utf-8"?>
-<p:sld xmlns:a="http://schemas.openxmlformats.org/drawingml/2006/main" xmlns:r="http://schemas.openxmlformats.org/officeDocument/2006/relationships" xmlns:p="http://schemas.openxmlformats.org/presentationml/2006/main" show="0">
+<p:sld xmlns:a="http://schemas.openxmlformats.org/drawingml/2006/main" xmlns:r="http://schemas.openxmlformats.org/officeDocument/2006/relationships" xmlns:mc="http://schemas.openxmlformats.org/markup-compatibility/2006" xmlns:mv="urn:schemas-microsoft-com:mac:vml" xmlns:p="http://schemas.openxmlformats.org/presentationml/2006/main" mc:Ignorable="mv" mc:PreserveAttributes="mv:*" show="0">
   <p:cSld>
     <p:spTree>
       <p:nvGrpSpPr>
@@ -12634,7 +12742,7 @@
 </file>
 
 <file path=ppt/slides/slide21.xml><?xml version="1.0" encoding="utf-8"?>
-<p:sld xmlns:a="http://schemas.openxmlformats.org/drawingml/2006/main" xmlns:r="http://schemas.openxmlformats.org/officeDocument/2006/relationships" xmlns:p="http://schemas.openxmlformats.org/presentationml/2006/main" show="0">
+<p:sld xmlns:a="http://schemas.openxmlformats.org/drawingml/2006/main" xmlns:r="http://schemas.openxmlformats.org/officeDocument/2006/relationships" xmlns:mc="http://schemas.openxmlformats.org/markup-compatibility/2006" xmlns:mv="urn:schemas-microsoft-com:mac:vml" xmlns:p="http://schemas.openxmlformats.org/presentationml/2006/main" mc:Ignorable="mv" mc:PreserveAttributes="mv:*" show="0">
   <p:cSld>
     <p:spTree>
       <p:nvGrpSpPr>
@@ -12790,7 +12898,7 @@
 </file>
 
 <file path=ppt/slides/slide22.xml><?xml version="1.0" encoding="utf-8"?>
-<p:sld xmlns:a="http://schemas.openxmlformats.org/drawingml/2006/main" xmlns:r="http://schemas.openxmlformats.org/officeDocument/2006/relationships" xmlns:p="http://schemas.openxmlformats.org/presentationml/2006/main">
+<p:sld xmlns:a="http://schemas.openxmlformats.org/drawingml/2006/main" xmlns:r="http://schemas.openxmlformats.org/officeDocument/2006/relationships" xmlns:mc="http://schemas.openxmlformats.org/markup-compatibility/2006" xmlns:mv="urn:schemas-microsoft-com:mac:vml" xmlns:p="http://schemas.openxmlformats.org/presentationml/2006/main" mc:Ignorable="mv" mc:PreserveAttributes="mv:*">
   <p:cSld>
     <p:spTree>
       <p:nvGrpSpPr>
@@ -12850,6 +12958,296 @@
         </p:nvSpPr>
         <p:spPr bwMode="auto">
           <a:xfrm>
+            <a:off x="433388" y="2372142"/>
+            <a:ext cx="8350250" cy="2123658"/>
+          </a:xfrm>
+          <a:prstGeom prst="rect">
+            <a:avLst/>
+          </a:prstGeom>
+          <a:noFill/>
+          <a:ln w="31750">
+            <a:noFill/>
+            <a:miter lim="800000"/>
+            <a:headEnd/>
+            <a:tailEnd type="none" w="lg" len="lg"/>
+          </a:ln>
+        </p:spPr>
+        <p:txBody>
+          <a:bodyPr>
+            <a:prstTxWarp prst="textNoShape">
+              <a:avLst/>
+            </a:prstTxWarp>
+            <a:spAutoFit/>
+          </a:bodyPr>
+          <a:lstStyle/>
+          <a:p>
+            <a:pPr algn="l"/>
+            <a:r>
+              <a:rPr lang="en-US" sz="4400" dirty="0" err="1">
+                <a:latin typeface="Comic Sans MS" pitchFamily="-107" charset="0"/>
+              </a:rPr>
+              <a:t>Defs</a:t>
+            </a:r>
+            <a:r>
+              <a:rPr lang="en-US" sz="4400" dirty="0">
+                <a:latin typeface="Comic Sans MS" pitchFamily="-107" charset="0"/>
+              </a:rPr>
+              <a:t> of increasing/decreasing</a:t>
+            </a:r>
+          </a:p>
+          <a:p>
+            <a:pPr algn="l"/>
+            <a:r>
+              <a:rPr lang="en-US" sz="4400" dirty="0">
+                <a:latin typeface="Comic Sans MS" pitchFamily="-107" charset="0"/>
+              </a:rPr>
+              <a:t>variables extend to variables with </a:t>
+            </a:r>
+            <a:r>
+              <a:rPr lang="en-US" sz="4400" dirty="0">
+                <a:solidFill>
+                  <a:srgbClr val="0000CC"/>
+                </a:solidFill>
+                <a:latin typeface="Comic Sans MS" pitchFamily="-107" charset="0"/>
+              </a:rPr>
+              <a:t>partially ordered</a:t>
+            </a:r>
+            <a:r>
+              <a:rPr lang="en-US" sz="4400" dirty="0">
+                <a:latin typeface="Comic Sans MS" pitchFamily="-107" charset="0"/>
+              </a:rPr>
+              <a:t> values</a:t>
+            </a:r>
+            <a:r>
+              <a:rPr lang="en-US" sz="4400" dirty="0" smtClean="0">
+                <a:latin typeface="Comic Sans MS" pitchFamily="-107" charset="0"/>
+              </a:rPr>
+              <a:t>.</a:t>
+            </a:r>
+            <a:endParaRPr lang="en-US" sz="4400" dirty="0">
+              <a:latin typeface="Comic Sans MS" pitchFamily="-107" charset="0"/>
+            </a:endParaRPr>
+          </a:p>
+        </p:txBody>
+      </p:sp>
+      <p:sp>
+        <p:nvSpPr>
+          <p:cNvPr id="47108" name="Rectangle 11"/>
+          <p:cNvSpPr>
+            <a:spLocks noGrp="1" noChangeArrowheads="1"/>
+          </p:cNvSpPr>
+          <p:nvPr>
+            <p:ph type="sldNum" sz="quarter" idx="10"/>
+          </p:nvPr>
+        </p:nvSpPr>
+        <p:spPr>
+          <a:noFill/>
+        </p:spPr>
+        <p:txBody>
+          <a:bodyPr/>
+          <a:lstStyle/>
+          <a:p>
+            <a:r>
+              <a:rPr lang="en-US" smtClean="0"/>
+              <a:t>lec 5F.</a:t>
+            </a:r>
+            <a:fld id="{9872341F-AF97-DF4A-8106-150AA4FFA062}" type="slidenum">
+              <a:rPr lang="en-US" smtClean="0"/>
+              <a:pPr/>
+              <a:t>22</a:t>
+            </a:fld>
+            <a:endParaRPr lang="en-US" smtClean="0"/>
+          </a:p>
+        </p:txBody>
+      </p:sp>
+    </p:spTree>
+  </p:cSld>
+  <p:clrMapOvr>
+    <a:masterClrMapping/>
+  </p:clrMapOvr>
+  <p:transition spd="slow">
+    <p:fade/>
+  </p:transition>
+  <p:timing>
+    <p:tnLst>
+      <p:par>
+        <p:cTn id="1" dur="indefinite" restart="never" nodeType="tmRoot">
+          <p:childTnLst>
+            <p:seq concurrent="1" nextAc="seek">
+              <p:cTn id="2" dur="indefinite" nodeType="mainSeq">
+                <p:childTnLst>
+                  <p:par>
+                    <p:cTn id="3" fill="hold">
+                      <p:stCondLst>
+                        <p:cond delay="indefinite"/>
+                        <p:cond evt="onBegin" delay="0">
+                          <p:tn val="2"/>
+                        </p:cond>
+                      </p:stCondLst>
+                      <p:childTnLst>
+                        <p:par>
+                          <p:cTn id="4" fill="hold">
+                            <p:stCondLst>
+                              <p:cond delay="0"/>
+                            </p:stCondLst>
+                            <p:childTnLst>
+                              <p:par>
+                                <p:cTn id="5" presetID="1" presetClass="entr" presetSubtype="0" fill="hold" grpId="0" nodeType="withEffect">
+                                  <p:stCondLst>
+                                    <p:cond delay="0"/>
+                                  </p:stCondLst>
+                                  <p:childTnLst>
+                                    <p:set>
+                                      <p:cBhvr>
+                                        <p:cTn id="6" dur="1" fill="hold">
+                                          <p:stCondLst>
+                                            <p:cond delay="0"/>
+                                          </p:stCondLst>
+                                        </p:cTn>
+                                        <p:tgtEl>
+                                          <p:spTgt spid="35843">
+                                            <p:txEl>
+                                              <p:pRg st="0" end="0"/>
+                                            </p:txEl>
+                                          </p:spTgt>
+                                        </p:tgtEl>
+                                        <p:attrNameLst>
+                                          <p:attrName>style.visibility</p:attrName>
+                                        </p:attrNameLst>
+                                      </p:cBhvr>
+                                      <p:to>
+                                        <p:strVal val="visible"/>
+                                      </p:to>
+                                    </p:set>
+                                  </p:childTnLst>
+                                </p:cTn>
+                              </p:par>
+                              <p:par>
+                                <p:cTn id="7" presetID="1" presetClass="entr" presetSubtype="0" fill="hold" grpId="0" nodeType="withEffect">
+                                  <p:stCondLst>
+                                    <p:cond delay="0"/>
+                                  </p:stCondLst>
+                                  <p:childTnLst>
+                                    <p:set>
+                                      <p:cBhvr>
+                                        <p:cTn id="8" dur="1" fill="hold">
+                                          <p:stCondLst>
+                                            <p:cond delay="0"/>
+                                          </p:stCondLst>
+                                        </p:cTn>
+                                        <p:tgtEl>
+                                          <p:spTgt spid="35843">
+                                            <p:txEl>
+                                              <p:pRg st="1" end="1"/>
+                                            </p:txEl>
+                                          </p:spTgt>
+                                        </p:tgtEl>
+                                        <p:attrNameLst>
+                                          <p:attrName>style.visibility</p:attrName>
+                                        </p:attrNameLst>
+                                      </p:cBhvr>
+                                      <p:to>
+                                        <p:strVal val="visible"/>
+                                      </p:to>
+                                    </p:set>
+                                  </p:childTnLst>
+                                </p:cTn>
+                              </p:par>
+                            </p:childTnLst>
+                          </p:cTn>
+                        </p:par>
+                      </p:childTnLst>
+                    </p:cTn>
+                  </p:par>
+                </p:childTnLst>
+              </p:cTn>
+              <p:prevCondLst>
+                <p:cond evt="onPrev" delay="0">
+                  <p:tgtEl>
+                    <p:sldTgt/>
+                  </p:tgtEl>
+                </p:cond>
+              </p:prevCondLst>
+              <p:nextCondLst>
+                <p:cond evt="onNext" delay="0">
+                  <p:tgtEl>
+                    <p:sldTgt/>
+                  </p:tgtEl>
+                </p:cond>
+              </p:nextCondLst>
+            </p:seq>
+          </p:childTnLst>
+        </p:cTn>
+      </p:par>
+    </p:tnLst>
+    <p:bldLst>
+      <p:bldP spid="35843" grpId="0" build="p"/>
+    </p:bldLst>
+  </p:timing>
+</p:sld>
+</file>
+
+<file path=ppt/slides/slide23.xml><?xml version="1.0" encoding="utf-8"?>
+<p:sld xmlns:a="http://schemas.openxmlformats.org/drawingml/2006/main" xmlns:r="http://schemas.openxmlformats.org/officeDocument/2006/relationships" xmlns:mc="http://schemas.openxmlformats.org/markup-compatibility/2006" xmlns:mv="urn:schemas-microsoft-com:mac:vml" xmlns:p="http://schemas.openxmlformats.org/presentationml/2006/main" mc:Ignorable="mv" mc:PreserveAttributes="mv:*" show="0">
+  <p:cSld>
+    <p:spTree>
+      <p:nvGrpSpPr>
+        <p:cNvPr id="1" name=""/>
+        <p:cNvGrpSpPr/>
+        <p:nvPr/>
+      </p:nvGrpSpPr>
+      <p:grpSpPr>
+        <a:xfrm>
+          <a:off x="0" y="0"/>
+          <a:ext cx="0" cy="0"/>
+          <a:chOff x="0" y="0"/>
+          <a:chExt cx="0" cy="0"/>
+        </a:xfrm>
+      </p:grpSpPr>
+      <p:sp>
+        <p:nvSpPr>
+          <p:cNvPr id="47106" name="Rectangle 2"/>
+          <p:cNvSpPr>
+            <a:spLocks noGrp="1" noChangeArrowheads="1"/>
+          </p:cNvSpPr>
+          <p:nvPr>
+            <p:ph type="title"/>
+          </p:nvPr>
+        </p:nvSpPr>
+        <p:spPr bwMode="auto">
+          <a:noFill/>
+          <a:ln>
+            <a:miter lim="800000"/>
+            <a:headEnd/>
+            <a:tailEnd/>
+          </a:ln>
+        </p:spPr>
+        <p:txBody>
+          <a:bodyPr wrap="square" lIns="91440" tIns="45720" rIns="91440" bIns="45720" numCol="1" anchor="t" anchorCtr="0" compatLnSpc="1">
+            <a:prstTxWarp prst="textNoShape">
+              <a:avLst/>
+            </a:prstTxWarp>
+          </a:bodyPr>
+          <a:lstStyle/>
+          <a:p>
+            <a:pPr eaLnBrk="1" hangingPunct="1"/>
+            <a:r>
+              <a:rPr lang="en-US" smtClean="0"/>
+              <a:t>Partial-order valued variables</a:t>
+            </a:r>
+          </a:p>
+        </p:txBody>
+      </p:sp>
+      <p:sp>
+        <p:nvSpPr>
+          <p:cNvPr id="35843" name="Text Box 4"/>
+          <p:cNvSpPr txBox="1">
+            <a:spLocks noChangeArrowheads="1"/>
+          </p:cNvSpPr>
+          <p:nvPr/>
+        </p:nvSpPr>
+        <p:spPr bwMode="auto">
+          <a:xfrm>
             <a:off x="433388" y="1323975"/>
             <a:ext cx="8350250" cy="4154488"/>
           </a:xfrm>
@@ -12968,7 +13366,7 @@
             <a:fld id="{9872341F-AF97-DF4A-8106-150AA4FFA062}" type="slidenum">
               <a:rPr lang="en-US" smtClean="0"/>
               <a:pPr/>
-              <a:t>22</a:t>
+              <a:t>23</a:t>
             </a:fld>
             <a:endParaRPr lang="en-US" smtClean="0"/>
           </a:p>
@@ -13150,8 +13548,8 @@
 </p:sld>
 </file>
 
-<file path=ppt/slides/slide23.xml><?xml version="1.0" encoding="utf-8"?>
-<p:sld xmlns:a="http://schemas.openxmlformats.org/drawingml/2006/main" xmlns:r="http://schemas.openxmlformats.org/officeDocument/2006/relationships" xmlns:p="http://schemas.openxmlformats.org/presentationml/2006/main">
+<file path=ppt/slides/slide24.xml><?xml version="1.0" encoding="utf-8"?>
+<p:sld xmlns:a="http://schemas.openxmlformats.org/drawingml/2006/main" xmlns:r="http://schemas.openxmlformats.org/officeDocument/2006/relationships" xmlns:mc="http://schemas.openxmlformats.org/markup-compatibility/2006" xmlns:mv="urn:schemas-microsoft-com:mac:vml" xmlns:p="http://schemas.openxmlformats.org/presentationml/2006/main" mc:Ignorable="mv" mc:PreserveAttributes="mv:*" show="0">
   <p:cSld>
     <p:spTree>
       <p:nvGrpSpPr>
@@ -13489,7 +13887,7 @@
             <a:fld id="{CA89311D-00A2-ED47-8ABD-4741E58F9934}" type="slidenum">
               <a:rPr lang="en-US" smtClean="0"/>
               <a:pPr/>
-              <a:t>23</a:t>
+              <a:t>24</a:t>
             </a:fld>
             <a:endParaRPr lang="en-US" smtClean="0"/>
           </a:p>
@@ -13614,8 +14012,8 @@
 </p:sld>
 </file>
 
-<file path=ppt/slides/slide24.xml><?xml version="1.0" encoding="utf-8"?>
-<p:sld xmlns:a="http://schemas.openxmlformats.org/drawingml/2006/main" xmlns:r="http://schemas.openxmlformats.org/officeDocument/2006/relationships" xmlns:p="http://schemas.openxmlformats.org/presentationml/2006/main">
+<file path=ppt/slides/slide25.xml><?xml version="1.0" encoding="utf-8"?>
+<p:sld xmlns:a="http://schemas.openxmlformats.org/drawingml/2006/main" xmlns:r="http://schemas.openxmlformats.org/officeDocument/2006/relationships" xmlns:mc="http://schemas.openxmlformats.org/markup-compatibility/2006" xmlns:mv="urn:schemas-microsoft-com:mac:vml" xmlns:p="http://schemas.openxmlformats.org/presentationml/2006/main" mc:Ignorable="mv" mc:PreserveAttributes="mv:*">
   <p:cSld>
     <p:spTree>
       <p:nvGrpSpPr>
@@ -13787,7 +14185,7 @@
             <a:fld id="{341B451B-49FA-5843-A5DB-DAD672474E93}" type="slidenum">
               <a:rPr lang="en-US"/>
               <a:pPr/>
-              <a:t>24</a:t>
+              <a:t>25</a:t>
             </a:fld>
             <a:endParaRPr lang="en-US" dirty="0"/>
           </a:p>
@@ -13810,7 +14208,7 @@
 </file>
 
 <file path=ppt/slides/slide3.xml><?xml version="1.0" encoding="utf-8"?>
-<p:sld xmlns:a="http://schemas.openxmlformats.org/drawingml/2006/main" xmlns:r="http://schemas.openxmlformats.org/officeDocument/2006/relationships" xmlns:p="http://schemas.openxmlformats.org/presentationml/2006/main" showMasterPhAnim="0">
+<p:sld xmlns:a="http://schemas.openxmlformats.org/drawingml/2006/main" xmlns:r="http://schemas.openxmlformats.org/officeDocument/2006/relationships" xmlns:mc="http://schemas.openxmlformats.org/markup-compatibility/2006" xmlns:mv="urn:schemas-microsoft-com:mac:vml" xmlns:p="http://schemas.openxmlformats.org/presentationml/2006/main" mc:Ignorable="mv" mc:PreserveAttributes="mv:*" showMasterPhAnim="0">
   <p:cSld>
     <p:spTree>
       <p:nvGrpSpPr>
@@ -14459,7 +14857,7 @@
 </file>
 
 <file path=ppt/slides/slide4.xml><?xml version="1.0" encoding="utf-8"?>
-<p:sld xmlns:a="http://schemas.openxmlformats.org/drawingml/2006/main" xmlns:r="http://schemas.openxmlformats.org/officeDocument/2006/relationships" xmlns:p="http://schemas.openxmlformats.org/presentationml/2006/main" showMasterPhAnim="0">
+<p:sld xmlns:a="http://schemas.openxmlformats.org/drawingml/2006/main" xmlns:r="http://schemas.openxmlformats.org/officeDocument/2006/relationships" xmlns:mc="http://schemas.openxmlformats.org/markup-compatibility/2006" xmlns:mv="urn:schemas-microsoft-com:mac:vml" xmlns:p="http://schemas.openxmlformats.org/presentationml/2006/main" mc:Ignorable="mv" mc:PreserveAttributes="mv:*" showMasterPhAnim="0">
   <p:cSld>
     <p:spTree>
       <p:nvGrpSpPr>
@@ -14952,7 +15350,7 @@
 </file>
 
 <file path=ppt/slides/slide5.xml><?xml version="1.0" encoding="utf-8"?>
-<p:sld xmlns:a="http://schemas.openxmlformats.org/drawingml/2006/main" xmlns:r="http://schemas.openxmlformats.org/officeDocument/2006/relationships" xmlns:p="http://schemas.openxmlformats.org/presentationml/2006/main">
+<p:sld xmlns:a="http://schemas.openxmlformats.org/drawingml/2006/main" xmlns:r="http://schemas.openxmlformats.org/officeDocument/2006/relationships" xmlns:mc="http://schemas.openxmlformats.org/markup-compatibility/2006" xmlns:mv="urn:schemas-microsoft-com:mac:vml" xmlns:p="http://schemas.openxmlformats.org/presentationml/2006/main" mc:Ignorable="mv" mc:PreserveAttributes="mv:*">
   <p:cSld>
     <p:spTree>
       <p:nvGrpSpPr>
@@ -15347,7 +15745,7 @@
 </file>
 
 <file path=ppt/slides/slide6.xml><?xml version="1.0" encoding="utf-8"?>
-<p:sld xmlns:a="http://schemas.openxmlformats.org/drawingml/2006/main" xmlns:r="http://schemas.openxmlformats.org/officeDocument/2006/relationships" xmlns:p="http://schemas.openxmlformats.org/presentationml/2006/main">
+<p:sld xmlns:a="http://schemas.openxmlformats.org/drawingml/2006/main" xmlns:r="http://schemas.openxmlformats.org/officeDocument/2006/relationships" xmlns:mc="http://schemas.openxmlformats.org/markup-compatibility/2006" xmlns:mv="urn:schemas-microsoft-com:mac:vml" xmlns:p="http://schemas.openxmlformats.org/presentationml/2006/main" mc:Ignorable="mv" mc:PreserveAttributes="mv:*">
   <p:cSld>
     <p:spTree>
       <p:nvGrpSpPr>
@@ -16118,7 +16516,7 @@
 </file>
 
 <file path=ppt/slides/slide7.xml><?xml version="1.0" encoding="utf-8"?>
-<p:sld xmlns:a="http://schemas.openxmlformats.org/drawingml/2006/main" xmlns:r="http://schemas.openxmlformats.org/officeDocument/2006/relationships" xmlns:p="http://schemas.openxmlformats.org/presentationml/2006/main">
+<p:sld xmlns:a="http://schemas.openxmlformats.org/drawingml/2006/main" xmlns:r="http://schemas.openxmlformats.org/officeDocument/2006/relationships" xmlns:mc="http://schemas.openxmlformats.org/markup-compatibility/2006" xmlns:mv="urn:schemas-microsoft-com:mac:vml" xmlns:p="http://schemas.openxmlformats.org/presentationml/2006/main" mc:Ignorable="mv" mc:PreserveAttributes="mv:*">
   <p:cSld>
     <p:spTree>
       <p:nvGrpSpPr>
@@ -16642,7 +17040,7 @@
 </file>
 
 <file path=ppt/slides/slide8.xml><?xml version="1.0" encoding="utf-8"?>
-<p:sld xmlns:a="http://schemas.openxmlformats.org/drawingml/2006/main" xmlns:r="http://schemas.openxmlformats.org/officeDocument/2006/relationships" xmlns:p="http://schemas.openxmlformats.org/presentationml/2006/main">
+<p:sld xmlns:a="http://schemas.openxmlformats.org/drawingml/2006/main" xmlns:r="http://schemas.openxmlformats.org/officeDocument/2006/relationships" xmlns:mc="http://schemas.openxmlformats.org/markup-compatibility/2006" xmlns:mv="urn:schemas-microsoft-com:mac:vml" xmlns:p="http://schemas.openxmlformats.org/presentationml/2006/main" mc:Ignorable="mv" mc:PreserveAttributes="mv:*">
   <p:cSld>
     <p:spTree>
       <p:nvGrpSpPr>
@@ -17516,7 +17914,7 @@
 </file>
 
 <file path=ppt/slides/slide9.xml><?xml version="1.0" encoding="utf-8"?>
-<p:sld xmlns:a="http://schemas.openxmlformats.org/drawingml/2006/main" xmlns:r="http://schemas.openxmlformats.org/officeDocument/2006/relationships" xmlns:p="http://schemas.openxmlformats.org/presentationml/2006/main" showMasterPhAnim="0">
+<p:sld xmlns:a="http://schemas.openxmlformats.org/drawingml/2006/main" xmlns:r="http://schemas.openxmlformats.org/officeDocument/2006/relationships" xmlns:mc="http://schemas.openxmlformats.org/markup-compatibility/2006" xmlns:mv="urn:schemas-microsoft-com:mac:vml" xmlns:p="http://schemas.openxmlformats.org/presentationml/2006/main" mc:Ignorable="mv" mc:PreserveAttributes="mv:*" showMasterPhAnim="0">
   <p:cSld>
     <p:spTree>
       <p:nvGrpSpPr>
@@ -17706,7 +18104,7 @@
         </p:xfrm>
         <a:graphic>
           <a:graphicData uri="http://schemas.openxmlformats.org/presentationml/2006/ole">
-            <p:oleObj spid="_x0000_s22530" name="Equation" r:id="rId4" imgW="419100" imgH="215900" progId="">
+            <p:oleObj spid="_x0000_s22530" name="Equation" r:id="rId4" imgW="419100" imgH="215900" progId="Equation.DSMT4">
               <p:embed/>
             </p:oleObj>
           </a:graphicData>

--- a/restricted/slides5f.pptx
+++ b/restricted/slides5f.pptx
@@ -277,7 +277,7 @@
               <a:pPr>
                 <a:defRPr/>
               </a:pPr>
-              <a:t>2/28/10</a:t>
+              <a:t>3/5/10</a:t>
             </a:fld>
             <a:endParaRPr lang="en-US"/>
           </a:p>
@@ -475,7 +475,7 @@
               <a:pPr>
                 <a:defRPr/>
               </a:pPr>
-              <a:t>2/28/10</a:t>
+              <a:t>3/5/10</a:t>
             </a:fld>
             <a:endParaRPr lang="en-US"/>
           </a:p>
